--- a/Análise de dados exploratória.pptx
+++ b/Análise de dados exploratória.pptx
@@ -2,7 +2,7 @@
 <file path=ppt/presentation.xml><?xml version="1.0" encoding="utf-8"?>
 <p:presentation xmlns:a="http://schemas.openxmlformats.org/drawingml/2006/main" xmlns:r="http://schemas.openxmlformats.org/officeDocument/2006/relationships" xmlns:p="http://schemas.openxmlformats.org/presentationml/2006/main" saveSubsetFonts="1">
   <p:sldMasterIdLst>
-    <p:sldMasterId id="2147483660" r:id="rId1"/>
+    <p:sldMasterId id="2147483678" r:id="rId1"/>
   </p:sldMasterIdLst>
   <p:sldIdLst>
     <p:sldId id="256" r:id="rId2"/>
@@ -111,6 +111,11 @@
       </a:defRPr>
     </a:lvl9pPr>
   </p:defaultTextStyle>
+  <p:extLst>
+    <p:ext uri="{EFAFB233-063F-42B5-8137-9DF3F51BA10A}">
+      <p15:sldGuideLst xmlns:p15="http://schemas.microsoft.com/office/powerpoint/2012/main"/>
+    </p:ext>
+  </p:extLst>
 </p:presentation>
 </file>
 
@@ -143,8 +148,8 @@
         </p:nvSpPr>
         <p:spPr>
           <a:xfrm>
-            <a:off x="1370693" y="1769540"/>
-            <a:ext cx="9440034" cy="1828801"/>
+            <a:off x="1595269" y="1122363"/>
+            <a:ext cx="9001462" cy="2387600"/>
           </a:xfrm>
         </p:spPr>
         <p:txBody>
@@ -153,7 +158,7 @@
           </a:bodyPr>
           <a:lstStyle>
             <a:lvl1pPr algn="ctr">
-              <a:defRPr sz="5400"/>
+              <a:defRPr sz="4800"/>
             </a:lvl1pPr>
           </a:lstStyle>
           <a:p>
@@ -177,100 +182,48 @@
         </p:nvSpPr>
         <p:spPr>
           <a:xfrm>
-            <a:off x="1370693" y="3598339"/>
-            <a:ext cx="9440034" cy="1049867"/>
+            <a:off x="1595269" y="3602038"/>
+            <a:ext cx="9001462" cy="1655762"/>
           </a:xfrm>
         </p:spPr>
         <p:txBody>
-          <a:bodyPr anchor="t"/>
+          <a:bodyPr/>
           <a:lstStyle>
             <a:lvl1pPr marL="0" indent="0" algn="ctr">
               <a:buNone/>
-              <a:defRPr>
-                <a:solidFill>
-                  <a:schemeClr val="tx1"/>
-                </a:solidFill>
-              </a:defRPr>
+              <a:defRPr sz="2400"/>
             </a:lvl1pPr>
             <a:lvl2pPr marL="457200" indent="0" algn="ctr">
               <a:buNone/>
-              <a:defRPr>
-                <a:solidFill>
-                  <a:schemeClr val="tx1">
-                    <a:tint val="75000"/>
-                  </a:schemeClr>
-                </a:solidFill>
-              </a:defRPr>
+              <a:defRPr sz="2000"/>
             </a:lvl2pPr>
             <a:lvl3pPr marL="914400" indent="0" algn="ctr">
               <a:buNone/>
-              <a:defRPr>
-                <a:solidFill>
-                  <a:schemeClr val="tx1">
-                    <a:tint val="75000"/>
-                  </a:schemeClr>
-                </a:solidFill>
-              </a:defRPr>
+              <a:defRPr sz="1800"/>
             </a:lvl3pPr>
             <a:lvl4pPr marL="1371600" indent="0" algn="ctr">
               <a:buNone/>
-              <a:defRPr>
-                <a:solidFill>
-                  <a:schemeClr val="tx1">
-                    <a:tint val="75000"/>
-                  </a:schemeClr>
-                </a:solidFill>
-              </a:defRPr>
+              <a:defRPr sz="1600"/>
             </a:lvl4pPr>
             <a:lvl5pPr marL="1828800" indent="0" algn="ctr">
               <a:buNone/>
-              <a:defRPr>
-                <a:solidFill>
-                  <a:schemeClr val="tx1">
-                    <a:tint val="75000"/>
-                  </a:schemeClr>
-                </a:solidFill>
-              </a:defRPr>
+              <a:defRPr sz="1600"/>
             </a:lvl5pPr>
             <a:lvl6pPr marL="2286000" indent="0" algn="ctr">
               <a:buNone/>
-              <a:defRPr>
-                <a:solidFill>
-                  <a:schemeClr val="tx1">
-                    <a:tint val="75000"/>
-                  </a:schemeClr>
-                </a:solidFill>
-              </a:defRPr>
+              <a:defRPr sz="1600"/>
             </a:lvl6pPr>
             <a:lvl7pPr marL="2743200" indent="0" algn="ctr">
               <a:buNone/>
-              <a:defRPr>
-                <a:solidFill>
-                  <a:schemeClr val="tx1">
-                    <a:tint val="75000"/>
-                  </a:schemeClr>
-                </a:solidFill>
-              </a:defRPr>
+              <a:defRPr sz="1600"/>
             </a:lvl7pPr>
             <a:lvl8pPr marL="3200400" indent="0" algn="ctr">
               <a:buNone/>
-              <a:defRPr>
-                <a:solidFill>
-                  <a:schemeClr val="tx1">
-                    <a:tint val="75000"/>
-                  </a:schemeClr>
-                </a:solidFill>
-              </a:defRPr>
+              <a:defRPr sz="1600"/>
             </a:lvl8pPr>
             <a:lvl9pPr marL="3657600" indent="0" algn="ctr">
               <a:buNone/>
-              <a:defRPr>
-                <a:solidFill>
-                  <a:schemeClr val="tx1">
-                    <a:tint val="75000"/>
-                  </a:schemeClr>
-                </a:solidFill>
-              </a:defRPr>
+              <a:defRPr sz="1600"/>
             </a:lvl9pPr>
           </a:lstStyle>
           <a:p>
@@ -299,7 +252,7 @@
           <a:p>
             <a:fld id="{7D17AC76-8AAE-413F-8554-373E76674A05}" type="datetimeFigureOut">
               <a:rPr lang="pt-BR" smtClean="0"/>
-              <a:t>05/12/2023</a:t>
+              <a:t>06/12/2023</a:t>
             </a:fld>
             <a:endParaRPr lang="pt-BR"/>
           </a:p>
@@ -350,7 +303,7 @@
     </p:spTree>
     <p:extLst>
       <p:ext uri="{BB962C8B-B14F-4D97-AF65-F5344CB8AC3E}">
-        <p14:creationId xmlns:p14="http://schemas.microsoft.com/office/powerpoint/2010/main" val="3905580646"/>
+        <p14:creationId xmlns:p14="http://schemas.microsoft.com/office/powerpoint/2010/main" val="307261687"/>
       </p:ext>
     </p:extLst>
   </p:cSld>
@@ -377,50 +330,20 @@
           <a:chExt cx="0" cy="0"/>
         </a:xfrm>
       </p:grpSpPr>
-      <p:pic>
-        <p:nvPicPr>
-          <p:cNvPr id="16" name="Picture 15" descr="Slate-V2-HD-panoPhotoInset.png"/>
-          <p:cNvPicPr>
-            <a:picLocks noChangeAspect="1"/>
-          </p:cNvPicPr>
-          <p:nvPr/>
-        </p:nvPicPr>
-        <p:blipFill>
-          <a:blip r:embed="rId2">
-            <a:extLst>
-              <a:ext uri="{28A0092B-C50C-407E-A947-70E740481C1C}">
-                <a14:useLocalDpi xmlns:a14="http://schemas.microsoft.com/office/drawing/2010/main" val="0"/>
-              </a:ext>
-            </a:extLst>
-          </a:blip>
-          <a:stretch>
-            <a:fillRect/>
-          </a:stretch>
-        </p:blipFill>
+      <p:sp>
+        <p:nvSpPr>
+          <p:cNvPr id="2" name="Title 1"/>
+          <p:cNvSpPr>
+            <a:spLocks noGrp="1"/>
+          </p:cNvSpPr>
+          <p:nvPr>
+            <p:ph type="title"/>
+          </p:nvPr>
+        </p:nvSpPr>
         <p:spPr>
           <a:xfrm>
-            <a:off x="1013883" y="547807"/>
-            <a:ext cx="10141799" cy="3816806"/>
-          </a:xfrm>
-          <a:prstGeom prst="rect">
-            <a:avLst/>
-          </a:prstGeom>
-        </p:spPr>
-      </p:pic>
-      <p:sp>
-        <p:nvSpPr>
-          <p:cNvPr id="2" name="Title 1"/>
-          <p:cNvSpPr>
-            <a:spLocks noGrp="1"/>
-          </p:cNvSpPr>
-          <p:nvPr>
-            <p:ph type="title"/>
-          </p:nvPr>
-        </p:nvSpPr>
-        <p:spPr>
-          <a:xfrm>
-            <a:off x="913806" y="4565255"/>
-            <a:ext cx="10355326" cy="543472"/>
+            <a:off x="913806" y="4289372"/>
+            <a:ext cx="10367564" cy="819355"/>
           </a:xfrm>
         </p:spPr>
         <p:txBody>
@@ -428,7 +351,7 @@
             <a:normAutofit/>
           </a:bodyPr>
           <a:lstStyle>
-            <a:lvl1pPr algn="ctr">
+            <a:lvl1pPr>
               <a:defRPr sz="2800"/>
             </a:lvl1pPr>
           </a:lstStyle>
@@ -453,90 +376,109 @@
         </p:nvSpPr>
         <p:spPr>
           <a:xfrm>
-            <a:off x="1169349" y="695009"/>
-            <a:ext cx="9845346" cy="3525671"/>
+            <a:off x="913806" y="621321"/>
+            <a:ext cx="10367564" cy="3379735"/>
           </a:xfrm>
+          <a:noFill/>
+          <a:ln w="190500" cap="sq">
+            <a:solidFill>
+              <a:srgbClr val="FFFFFF"/>
+            </a:solidFill>
+            <a:miter lim="800000"/>
+          </a:ln>
           <a:effectLst>
-            <a:outerShdw blurRad="38100" dist="25400" dir="4440000">
+            <a:outerShdw blurRad="55000" dist="18000" dir="5400000" algn="tl" rotWithShape="0">
               <a:srgbClr val="000000">
-                <a:alpha val="36000"/>
+                <a:alpha val="40000"/>
               </a:srgbClr>
             </a:outerShdw>
           </a:effectLst>
+          <a:scene3d>
+            <a:camera prst="orthographicFront"/>
+            <a:lightRig rig="twoPt" dir="t">
+              <a:rot lat="0" lon="0" rev="7200000"/>
+            </a:lightRig>
+          </a:scene3d>
+          <a:sp3d>
+            <a:bevelT w="25400" h="19050"/>
+            <a:contourClr>
+              <a:srgbClr val="FFFFFF"/>
+            </a:contourClr>
+          </a:sp3d>
         </p:spPr>
         <p:txBody>
-          <a:bodyPr anchor="t">
+          <a:bodyPr anchor="t"/>
+          <a:lstStyle>
+            <a:lvl1pPr marL="0" indent="0" algn="ctr">
+              <a:buNone/>
+              <a:defRPr sz="3200"/>
+            </a:lvl1pPr>
+            <a:lvl2pPr marL="457200" indent="0">
+              <a:buNone/>
+              <a:defRPr sz="2800"/>
+            </a:lvl2pPr>
+            <a:lvl3pPr marL="914400" indent="0">
+              <a:buNone/>
+              <a:defRPr sz="2400"/>
+            </a:lvl3pPr>
+            <a:lvl4pPr marL="1371600" indent="0">
+              <a:buNone/>
+              <a:defRPr sz="2000"/>
+            </a:lvl4pPr>
+            <a:lvl5pPr marL="1828800" indent="0">
+              <a:buNone/>
+              <a:defRPr sz="2000"/>
+            </a:lvl5pPr>
+            <a:lvl6pPr marL="2286000" indent="0">
+              <a:buNone/>
+              <a:defRPr sz="2000"/>
+            </a:lvl6pPr>
+            <a:lvl7pPr marL="2743200" indent="0">
+              <a:buNone/>
+              <a:defRPr sz="2000"/>
+            </a:lvl7pPr>
+            <a:lvl8pPr marL="3200400" indent="0">
+              <a:buNone/>
+              <a:defRPr sz="2000"/>
+            </a:lvl8pPr>
+            <a:lvl9pPr marL="3657600" indent="0">
+              <a:buNone/>
+              <a:defRPr sz="2000"/>
+            </a:lvl9pPr>
+          </a:lstStyle>
+          <a:p>
+            <a:r>
+              <a:rPr lang="pt-BR"/>
+              <a:t>Clique no ícone para adicionar uma imagem</a:t>
+            </a:r>
+            <a:endParaRPr lang="en-US" dirty="0"/>
+          </a:p>
+        </p:txBody>
+      </p:sp>
+      <p:sp>
+        <p:nvSpPr>
+          <p:cNvPr id="4" name="Text Placeholder 3"/>
+          <p:cNvSpPr>
+            <a:spLocks noGrp="1"/>
+          </p:cNvSpPr>
+          <p:nvPr>
+            <p:ph type="body" sz="half" idx="2"/>
+          </p:nvPr>
+        </p:nvSpPr>
+        <p:spPr>
+          <a:xfrm>
+            <a:off x="913795" y="5108728"/>
+            <a:ext cx="10365998" cy="682472"/>
+          </a:xfrm>
+        </p:spPr>
+        <p:txBody>
+          <a:bodyPr>
             <a:normAutofit/>
           </a:bodyPr>
           <a:lstStyle>
             <a:lvl1pPr marL="0" indent="0" algn="ctr">
               <a:buNone/>
-              <a:defRPr sz="2000"/>
-            </a:lvl1pPr>
-            <a:lvl2pPr marL="457200" indent="0">
-              <a:buNone/>
-              <a:defRPr sz="2000"/>
-            </a:lvl2pPr>
-            <a:lvl3pPr marL="914400" indent="0">
-              <a:buNone/>
-              <a:defRPr sz="2000"/>
-            </a:lvl3pPr>
-            <a:lvl4pPr marL="1371600" indent="0">
-              <a:buNone/>
-              <a:defRPr sz="2000"/>
-            </a:lvl4pPr>
-            <a:lvl5pPr marL="1828800" indent="0">
-              <a:buNone/>
-              <a:defRPr sz="2000"/>
-            </a:lvl5pPr>
-            <a:lvl6pPr marL="2286000" indent="0">
-              <a:buNone/>
-              <a:defRPr sz="2000"/>
-            </a:lvl6pPr>
-            <a:lvl7pPr marL="2743200" indent="0">
-              <a:buNone/>
-              <a:defRPr sz="2000"/>
-            </a:lvl7pPr>
-            <a:lvl8pPr marL="3200400" indent="0">
-              <a:buNone/>
-              <a:defRPr sz="2000"/>
-            </a:lvl8pPr>
-            <a:lvl9pPr marL="3657600" indent="0">
-              <a:buNone/>
-              <a:defRPr sz="2000"/>
-            </a:lvl9pPr>
-          </a:lstStyle>
-          <a:p>
-            <a:r>
-              <a:rPr lang="pt-BR"/>
-              <a:t>Clique no ícone para adicionar uma imagem</a:t>
-            </a:r>
-            <a:endParaRPr lang="en-US" dirty="0"/>
-          </a:p>
-        </p:txBody>
-      </p:sp>
-      <p:sp>
-        <p:nvSpPr>
-          <p:cNvPr id="4" name="Text Placeholder 3"/>
-          <p:cNvSpPr>
-            <a:spLocks noGrp="1"/>
-          </p:cNvSpPr>
-          <p:nvPr>
-            <p:ph type="body" sz="half" idx="2"/>
-          </p:nvPr>
-        </p:nvSpPr>
-        <p:spPr>
-          <a:xfrm>
-            <a:off x="913795" y="5108728"/>
-            <a:ext cx="10353762" cy="682472"/>
-          </a:xfrm>
-        </p:spPr>
-        <p:txBody>
-          <a:bodyPr anchor="t"/>
-          <a:lstStyle>
-            <a:lvl1pPr marL="0" indent="0" algn="ctr">
-              <a:buNone/>
-              <a:defRPr sz="1600"/>
+              <a:defRPr sz="1800"/>
             </a:lvl1pPr>
             <a:lvl2pPr marL="457200" indent="0">
               <a:buNone/>
@@ -597,7 +539,7 @@
           <a:p>
             <a:fld id="{7D17AC76-8AAE-413F-8554-373E76674A05}" type="datetimeFigureOut">
               <a:rPr lang="pt-BR" smtClean="0"/>
-              <a:t>05/12/2023</a:t>
+              <a:t>06/12/2023</a:t>
             </a:fld>
             <a:endParaRPr lang="pt-BR"/>
           </a:p>
@@ -648,7 +590,7 @@
     </p:spTree>
     <p:extLst>
       <p:ext uri="{BB962C8B-B14F-4D97-AF65-F5344CB8AC3E}">
-        <p14:creationId xmlns:p14="http://schemas.microsoft.com/office/powerpoint/2010/main" val="2587293532"/>
+        <p14:creationId xmlns:p14="http://schemas.microsoft.com/office/powerpoint/2010/main" val="1550343479"/>
       </p:ext>
     </p:extLst>
   </p:cSld>
@@ -687,8 +629,8 @@
         </p:nvSpPr>
         <p:spPr>
           <a:xfrm>
-            <a:off x="913795" y="608437"/>
-            <a:ext cx="10353762" cy="3534344"/>
+            <a:off x="913795" y="609600"/>
+            <a:ext cx="10353762" cy="3424859"/>
           </a:xfrm>
         </p:spPr>
         <p:txBody>
@@ -719,8 +661,8 @@
         </p:nvSpPr>
         <p:spPr>
           <a:xfrm>
-            <a:off x="913794" y="4295180"/>
-            <a:ext cx="10353763" cy="1501826"/>
+            <a:off x="913795" y="4204820"/>
+            <a:ext cx="10353761" cy="1592186"/>
           </a:xfrm>
         </p:spPr>
         <p:txBody>
@@ -789,7 +731,7 @@
           <a:p>
             <a:fld id="{7D17AC76-8AAE-413F-8554-373E76674A05}" type="datetimeFigureOut">
               <a:rPr lang="pt-BR" smtClean="0"/>
-              <a:t>05/12/2023</a:t>
+              <a:t>06/12/2023</a:t>
             </a:fld>
             <a:endParaRPr lang="pt-BR"/>
           </a:p>
@@ -840,7 +782,7 @@
     </p:spTree>
     <p:extLst>
       <p:ext uri="{BB962C8B-B14F-4D97-AF65-F5344CB8AC3E}">
-        <p14:creationId xmlns:p14="http://schemas.microsoft.com/office/powerpoint/2010/main" val="3337377284"/>
+        <p14:creationId xmlns:p14="http://schemas.microsoft.com/office/powerpoint/2010/main" val="1381261727"/>
       </p:ext>
     </p:extLst>
   </p:cSld>
@@ -912,7 +854,7 @@
         <p:spPr>
           <a:xfrm>
             <a:off x="1720644" y="3610032"/>
-            <a:ext cx="8752299" cy="532749"/>
+            <a:ext cx="8752299" cy="426812"/>
           </a:xfrm>
         </p:spPr>
         <p:txBody>
@@ -978,8 +920,8 @@
         </p:nvSpPr>
         <p:spPr>
           <a:xfrm>
-            <a:off x="913794" y="4304353"/>
-            <a:ext cx="10353763" cy="1489496"/>
+            <a:off x="913794" y="4204821"/>
+            <a:ext cx="10353762" cy="1586380"/>
           </a:xfrm>
         </p:spPr>
         <p:txBody>
@@ -1050,7 +992,7 @@
           <a:p>
             <a:fld id="{7D17AC76-8AAE-413F-8554-373E76674A05}" type="datetimeFigureOut">
               <a:rPr lang="pt-BR" smtClean="0"/>
-              <a:t>05/12/2023</a:t>
+              <a:t>06/12/2023</a:t>
             </a:fld>
             <a:endParaRPr lang="pt-BR"/>
           </a:p>
@@ -1106,7 +1048,7 @@
         </p:nvSpPr>
         <p:spPr>
           <a:xfrm>
-            <a:off x="990600" y="884796"/>
+            <a:off x="836612" y="735241"/>
             <a:ext cx="609600" cy="584776"/>
           </a:xfrm>
           <a:prstGeom prst="rect">
@@ -1222,7 +1164,7 @@
         </p:nvSpPr>
         <p:spPr>
           <a:xfrm>
-            <a:off x="10504716" y="2928258"/>
+            <a:off x="10657956" y="2972093"/>
             <a:ext cx="609600" cy="584776"/>
           </a:xfrm>
           <a:prstGeom prst="rect">
@@ -1333,7 +1275,7 @@
     </p:spTree>
     <p:extLst>
       <p:ext uri="{BB962C8B-B14F-4D97-AF65-F5344CB8AC3E}">
-        <p14:creationId xmlns:p14="http://schemas.microsoft.com/office/powerpoint/2010/main" val="2634132010"/>
+        <p14:creationId xmlns:p14="http://schemas.microsoft.com/office/powerpoint/2010/main" val="2361398695"/>
       </p:ext>
     </p:extLst>
   </p:cSld>
@@ -1372,8 +1314,8 @@
         </p:nvSpPr>
         <p:spPr>
           <a:xfrm>
-            <a:off x="913794" y="2126942"/>
-            <a:ext cx="10353763" cy="2511835"/>
+            <a:off x="913806" y="2126942"/>
+            <a:ext cx="10355327" cy="2511835"/>
           </a:xfrm>
         </p:spPr>
         <p:txBody>
@@ -1404,8 +1346,8 @@
         </p:nvSpPr>
         <p:spPr>
           <a:xfrm>
-            <a:off x="913784" y="4650556"/>
-            <a:ext cx="10352199" cy="1140644"/>
+            <a:off x="913794" y="4650556"/>
+            <a:ext cx="10353763" cy="1140644"/>
           </a:xfrm>
         </p:spPr>
         <p:txBody>
@@ -1474,7 +1416,7 @@
           <a:p>
             <a:fld id="{7D17AC76-8AAE-413F-8554-373E76674A05}" type="datetimeFigureOut">
               <a:rPr lang="pt-BR" smtClean="0"/>
-              <a:t>05/12/2023</a:t>
+              <a:t>06/12/2023</a:t>
             </a:fld>
             <a:endParaRPr lang="pt-BR"/>
           </a:p>
@@ -1525,7 +1467,7 @@
     </p:spTree>
     <p:extLst>
       <p:ext uri="{BB962C8B-B14F-4D97-AF65-F5344CB8AC3E}">
-        <p14:creationId xmlns:p14="http://schemas.microsoft.com/office/powerpoint/2010/main" val="2656215052"/>
+        <p14:creationId xmlns:p14="http://schemas.microsoft.com/office/powerpoint/2010/main" val="1666473027"/>
       </p:ext>
     </p:extLst>
   </p:cSld>
@@ -1564,8 +1506,8 @@
         </p:nvSpPr>
         <p:spPr>
           <a:xfrm>
-            <a:off x="913795" y="609600"/>
-            <a:ext cx="10353762" cy="970450"/>
+            <a:off x="913794" y="609600"/>
+            <a:ext cx="10353762" cy="1325563"/>
           </a:xfrm>
         </p:spPr>
         <p:txBody>
@@ -1592,8 +1534,8 @@
         </p:nvSpPr>
         <p:spPr>
           <a:xfrm>
-            <a:off x="913795" y="1885950"/>
-            <a:ext cx="3300984" cy="576262"/>
+            <a:off x="913794" y="2088319"/>
+            <a:ext cx="3298956" cy="823305"/>
           </a:xfrm>
         </p:spPr>
         <p:txBody>
@@ -1602,6 +1544,9 @@
           </a:bodyPr>
           <a:lstStyle>
             <a:lvl1pPr marL="0" indent="0" algn="ctr">
+              <a:lnSpc>
+                <a:spcPct val="100000"/>
+              </a:lnSpc>
               <a:buNone/>
               <a:defRPr sz="2400" b="0">
                 <a:solidFill>
@@ -1663,8 +1608,8 @@
         </p:nvSpPr>
         <p:spPr>
           <a:xfrm>
-            <a:off x="913795" y="2571750"/>
-            <a:ext cx="3300984" cy="3219450"/>
+            <a:off x="913794" y="2911624"/>
+            <a:ext cx="3298956" cy="2879576"/>
           </a:xfrm>
         </p:spPr>
         <p:txBody>
@@ -1730,8 +1675,8 @@
         </p:nvSpPr>
         <p:spPr>
           <a:xfrm>
-            <a:off x="4446711" y="1885950"/>
-            <a:ext cx="3300984" cy="576262"/>
+            <a:off x="4444878" y="2088320"/>
+            <a:ext cx="3298558" cy="823304"/>
           </a:xfrm>
         </p:spPr>
         <p:txBody>
@@ -1740,6 +1685,9 @@
           </a:bodyPr>
           <a:lstStyle>
             <a:lvl1pPr marL="0" indent="0" algn="ctr">
+              <a:lnSpc>
+                <a:spcPct val="100000"/>
+              </a:lnSpc>
               <a:buNone/>
               <a:defRPr sz="2400" b="0">
                 <a:solidFill>
@@ -1801,8 +1749,8 @@
         </p:nvSpPr>
         <p:spPr>
           <a:xfrm>
-            <a:off x="4441435" y="2571750"/>
-            <a:ext cx="3300984" cy="3219450"/>
+            <a:off x="4444878" y="2911624"/>
+            <a:ext cx="3299821" cy="2879576"/>
           </a:xfrm>
         </p:spPr>
         <p:txBody>
@@ -1868,8 +1816,8 @@
         </p:nvSpPr>
         <p:spPr>
           <a:xfrm>
-            <a:off x="7966572" y="1885950"/>
-            <a:ext cx="3300984" cy="576262"/>
+            <a:off x="7973298" y="2088320"/>
+            <a:ext cx="3291211" cy="823304"/>
           </a:xfrm>
         </p:spPr>
         <p:txBody>
@@ -1878,6 +1826,9 @@
           </a:bodyPr>
           <a:lstStyle>
             <a:lvl1pPr marL="0" indent="0" algn="ctr">
+              <a:lnSpc>
+                <a:spcPct val="100000"/>
+              </a:lnSpc>
               <a:buNone/>
               <a:defRPr sz="2400" b="0">
                 <a:solidFill>
@@ -1939,8 +1890,8 @@
         </p:nvSpPr>
         <p:spPr>
           <a:xfrm>
-            <a:off x="7966572" y="2571750"/>
-            <a:ext cx="3300984" cy="3219450"/>
+            <a:off x="7976346" y="2911624"/>
+            <a:ext cx="3291211" cy="2879576"/>
           </a:xfrm>
         </p:spPr>
         <p:txBody>
@@ -2011,7 +1962,7 @@
           <a:p>
             <a:fld id="{7D17AC76-8AAE-413F-8554-373E76674A05}" type="datetimeFigureOut">
               <a:rPr lang="pt-BR" smtClean="0"/>
-              <a:t>05/12/2023</a:t>
+              <a:t>06/12/2023</a:t>
             </a:fld>
             <a:endParaRPr lang="pt-BR"/>
           </a:p>
@@ -2062,7 +2013,7 @@
     </p:spTree>
     <p:extLst>
       <p:ext uri="{BB962C8B-B14F-4D97-AF65-F5344CB8AC3E}">
-        <p14:creationId xmlns:p14="http://schemas.microsoft.com/office/powerpoint/2010/main" val="2285084313"/>
+        <p14:creationId xmlns:p14="http://schemas.microsoft.com/office/powerpoint/2010/main" val="4115393047"/>
       </p:ext>
     </p:extLst>
   </p:cSld>
@@ -2089,138 +2040,48 @@
           <a:chExt cx="0" cy="0"/>
         </a:xfrm>
       </p:grpSpPr>
-      <p:pic>
-        <p:nvPicPr>
-          <p:cNvPr id="2" name="Picture 1" descr="Slate-V2-HD-3colPhotoInset.png"/>
-          <p:cNvPicPr>
-            <a:picLocks noChangeAspect="1"/>
-          </p:cNvPicPr>
-          <p:nvPr/>
-        </p:nvPicPr>
-        <p:blipFill>
-          <a:blip r:embed="rId2">
-            <a:extLst>
-              <a:ext uri="{28A0092B-C50C-407E-A947-70E740481C1C}">
-                <a14:useLocalDpi xmlns:a14="http://schemas.microsoft.com/office/drawing/2010/main" val="0"/>
-              </a:ext>
-            </a:extLst>
-          </a:blip>
-          <a:stretch>
-            <a:fillRect/>
-          </a:stretch>
-        </p:blipFill>
+      <p:sp>
+        <p:nvSpPr>
+          <p:cNvPr id="30" name="Title 1"/>
+          <p:cNvSpPr>
+            <a:spLocks noGrp="1"/>
+          </p:cNvSpPr>
+          <p:nvPr>
+            <p:ph type="title"/>
+          </p:nvPr>
+        </p:nvSpPr>
         <p:spPr>
           <a:xfrm>
-            <a:off x="897962" y="1818214"/>
-            <a:ext cx="3339972" cy="1847851"/>
+            <a:off x="913795" y="609600"/>
+            <a:ext cx="10353762" cy="1325563"/>
           </a:xfrm>
-          <a:prstGeom prst="rect">
-            <a:avLst/>
-          </a:prstGeom>
         </p:spPr>
-      </p:pic>
-      <p:pic>
-        <p:nvPicPr>
-          <p:cNvPr id="36" name="Picture 35" descr="Slate-V2-HD-3colPhotoInset.png"/>
-          <p:cNvPicPr>
-            <a:picLocks noChangeAspect="1"/>
-          </p:cNvPicPr>
-          <p:nvPr/>
-        </p:nvPicPr>
-        <p:blipFill>
-          <a:blip r:embed="rId2">
-            <a:extLst>
-              <a:ext uri="{28A0092B-C50C-407E-A947-70E740481C1C}">
-                <a14:useLocalDpi xmlns:a14="http://schemas.microsoft.com/office/drawing/2010/main" val="0"/>
-              </a:ext>
-            </a:extLst>
-          </a:blip>
-          <a:stretch>
-            <a:fillRect/>
-          </a:stretch>
-        </p:blipFill>
+        <p:txBody>
+          <a:bodyPr/>
+          <a:lstStyle/>
+          <a:p>
+            <a:r>
+              <a:rPr lang="pt-BR"/>
+              <a:t>Clique para editar o título Mestre</a:t>
+            </a:r>
+            <a:endParaRPr lang="en-US" dirty="0"/>
+          </a:p>
+        </p:txBody>
+      </p:sp>
+      <p:sp>
+        <p:nvSpPr>
+          <p:cNvPr id="19" name="Text Placeholder 2"/>
+          <p:cNvSpPr>
+            <a:spLocks noGrp="1"/>
+          </p:cNvSpPr>
+          <p:nvPr>
+            <p:ph type="body" idx="1"/>
+          </p:nvPr>
+        </p:nvSpPr>
         <p:spPr>
           <a:xfrm>
-            <a:off x="4403800" y="1818214"/>
-            <a:ext cx="3339972" cy="1847851"/>
-          </a:xfrm>
-          <a:prstGeom prst="rect">
-            <a:avLst/>
-          </a:prstGeom>
-        </p:spPr>
-      </p:pic>
-      <p:pic>
-        <p:nvPicPr>
-          <p:cNvPr id="37" name="Picture 36" descr="Slate-V2-HD-3colPhotoInset.png"/>
-          <p:cNvPicPr>
-            <a:picLocks noChangeAspect="1"/>
-          </p:cNvPicPr>
-          <p:nvPr/>
-        </p:nvPicPr>
-        <p:blipFill>
-          <a:blip r:embed="rId2">
-            <a:extLst>
-              <a:ext uri="{28A0092B-C50C-407E-A947-70E740481C1C}">
-                <a14:useLocalDpi xmlns:a14="http://schemas.microsoft.com/office/drawing/2010/main" val="0"/>
-              </a:ext>
-            </a:extLst>
-          </a:blip>
-          <a:stretch>
-            <a:fillRect/>
-          </a:stretch>
-        </p:blipFill>
-        <p:spPr>
-          <a:xfrm>
-            <a:off x="7936051" y="1818214"/>
-            <a:ext cx="3339972" cy="1847851"/>
-          </a:xfrm>
-          <a:prstGeom prst="rect">
-            <a:avLst/>
-          </a:prstGeom>
-        </p:spPr>
-      </p:pic>
-      <p:sp>
-        <p:nvSpPr>
-          <p:cNvPr id="30" name="Title 1"/>
-          <p:cNvSpPr>
-            <a:spLocks noGrp="1"/>
-          </p:cNvSpPr>
-          <p:nvPr>
-            <p:ph type="title"/>
-          </p:nvPr>
-        </p:nvSpPr>
-        <p:spPr>
-          <a:xfrm>
-            <a:off x="913794" y="609600"/>
-            <a:ext cx="10353763" cy="970450"/>
-          </a:xfrm>
-        </p:spPr>
-        <p:txBody>
-          <a:bodyPr/>
-          <a:lstStyle/>
-          <a:p>
-            <a:r>
-              <a:rPr lang="pt-BR"/>
-              <a:t>Clique para editar o título Mestre</a:t>
-            </a:r>
-            <a:endParaRPr lang="en-US" dirty="0"/>
-          </a:p>
-        </p:txBody>
-      </p:sp>
-      <p:sp>
-        <p:nvSpPr>
-          <p:cNvPr id="19" name="Text Placeholder 2"/>
-          <p:cNvSpPr>
-            <a:spLocks noGrp="1"/>
-          </p:cNvSpPr>
-          <p:nvPr>
-            <p:ph type="body" idx="1"/>
-          </p:nvPr>
-        </p:nvSpPr>
-        <p:spPr>
-          <a:xfrm>
-            <a:off x="913795" y="3904106"/>
-            <a:ext cx="3300984" cy="576262"/>
+            <a:off x="913795" y="4195899"/>
+            <a:ext cx="3298955" cy="576262"/>
           </a:xfrm>
         </p:spPr>
         <p:txBody>
@@ -2229,6 +2090,9 @@
           </a:bodyPr>
           <a:lstStyle>
             <a:lvl1pPr marL="0" indent="0" algn="ctr">
+              <a:lnSpc>
+                <a:spcPct val="100000"/>
+              </a:lnSpc>
               <a:buNone/>
               <a:defRPr sz="2000" b="0">
                 <a:solidFill>
@@ -2290,21 +2154,40 @@
         </p:nvSpPr>
         <p:spPr>
           <a:xfrm>
-            <a:off x="1018102" y="1938918"/>
-            <a:ext cx="3092368" cy="1602954"/>
+            <a:off x="1092020" y="2298987"/>
+            <a:ext cx="2940050" cy="1524000"/>
           </a:xfrm>
           <a:prstGeom prst="roundRect">
             <a:avLst>
-              <a:gd name="adj" fmla="val 1858"/>
+              <a:gd name="adj" fmla="val 0"/>
             </a:avLst>
           </a:prstGeom>
+          <a:noFill/>
+          <a:ln w="146050" cap="sq">
+            <a:solidFill>
+              <a:srgbClr val="FFFFFF"/>
+            </a:solidFill>
+            <a:miter lim="800000"/>
+          </a:ln>
           <a:effectLst>
-            <a:outerShdw blurRad="38100" dist="25400" dir="4440000">
+            <a:outerShdw blurRad="55000" dist="18000" dir="5400000" algn="tl" rotWithShape="0">
               <a:srgbClr val="000000">
-                <a:alpha val="36000"/>
+                <a:alpha val="40000"/>
               </a:srgbClr>
             </a:outerShdw>
           </a:effectLst>
+          <a:scene3d>
+            <a:camera prst="orthographicFront"/>
+            <a:lightRig rig="twoPt" dir="t">
+              <a:rot lat="0" lon="0" rev="7200000"/>
+            </a:lightRig>
+          </a:scene3d>
+          <a:sp3d>
+            <a:bevelT w="25400" h="19050"/>
+            <a:contourClr>
+              <a:srgbClr val="FFFFFF"/>
+            </a:contourClr>
+          </a:sp3d>
         </p:spPr>
         <p:txBody>
           <a:bodyPr anchor="t">
@@ -2369,8 +2252,8 @@
         </p:nvSpPr>
         <p:spPr>
           <a:xfrm>
-            <a:off x="913795" y="4480368"/>
-            <a:ext cx="3300984" cy="1310833"/>
+            <a:off x="913795" y="4772161"/>
+            <a:ext cx="3298955" cy="1019038"/>
           </a:xfrm>
         </p:spPr>
         <p:txBody>
@@ -2436,8 +2319,8 @@
         </p:nvSpPr>
         <p:spPr>
           <a:xfrm>
-            <a:off x="4442788" y="3904106"/>
-            <a:ext cx="3300984" cy="576262"/>
+            <a:off x="4442701" y="4195899"/>
+            <a:ext cx="3298983" cy="576262"/>
           </a:xfrm>
         </p:spPr>
         <p:txBody>
@@ -2446,6 +2329,9 @@
           </a:bodyPr>
           <a:lstStyle>
             <a:lvl1pPr marL="0" indent="0" algn="ctr">
+              <a:lnSpc>
+                <a:spcPct val="100000"/>
+              </a:lnSpc>
               <a:buNone/>
               <a:defRPr sz="2000" b="0">
                 <a:solidFill>
@@ -2507,21 +2393,40 @@
         </p:nvSpPr>
         <p:spPr>
           <a:xfrm>
-            <a:off x="4545743" y="1939094"/>
-            <a:ext cx="3092368" cy="1608164"/>
+            <a:off x="4568996" y="2298987"/>
+            <a:ext cx="2930525" cy="1524000"/>
           </a:xfrm>
           <a:prstGeom prst="roundRect">
             <a:avLst>
-              <a:gd name="adj" fmla="val 1858"/>
+              <a:gd name="adj" fmla="val 0"/>
             </a:avLst>
           </a:prstGeom>
+          <a:noFill/>
+          <a:ln w="146050" cap="sq">
+            <a:solidFill>
+              <a:srgbClr val="FFFFFF"/>
+            </a:solidFill>
+            <a:miter lim="800000"/>
+          </a:ln>
           <a:effectLst>
-            <a:outerShdw blurRad="38100" dist="25400" dir="4440000">
+            <a:outerShdw blurRad="55000" dist="18000" dir="5400000" algn="tl" rotWithShape="0">
               <a:srgbClr val="000000">
-                <a:alpha val="36000"/>
+                <a:alpha val="40000"/>
               </a:srgbClr>
             </a:outerShdw>
           </a:effectLst>
+          <a:scene3d>
+            <a:camera prst="orthographicFront"/>
+            <a:lightRig rig="twoPt" dir="t">
+              <a:rot lat="0" lon="0" rev="7200000"/>
+            </a:lightRig>
+          </a:scene3d>
+          <a:sp3d>
+            <a:bevelT w="25400" h="19050"/>
+            <a:contourClr>
+              <a:srgbClr val="FFFFFF"/>
+            </a:contourClr>
+          </a:sp3d>
         </p:spPr>
         <p:txBody>
           <a:bodyPr anchor="t">
@@ -2586,8 +2491,8 @@
         </p:nvSpPr>
         <p:spPr>
           <a:xfrm>
-            <a:off x="4441435" y="4480367"/>
-            <a:ext cx="3300984" cy="1310833"/>
+            <a:off x="4441348" y="4772160"/>
+            <a:ext cx="3300336" cy="1019038"/>
           </a:xfrm>
         </p:spPr>
         <p:txBody>
@@ -2653,8 +2558,8 @@
         </p:nvSpPr>
         <p:spPr>
           <a:xfrm>
-            <a:off x="7966697" y="3904106"/>
-            <a:ext cx="3300984" cy="576262"/>
+            <a:off x="7973423" y="4195899"/>
+            <a:ext cx="3289900" cy="576262"/>
           </a:xfrm>
         </p:spPr>
         <p:txBody>
@@ -2663,6 +2568,9 @@
           </a:bodyPr>
           <a:lstStyle>
             <a:lvl1pPr marL="0" indent="0" algn="ctr">
+              <a:lnSpc>
+                <a:spcPct val="100000"/>
+              </a:lnSpc>
               <a:buNone/>
               <a:defRPr sz="2000" b="0">
                 <a:solidFill>
@@ -2724,21 +2632,40 @@
         </p:nvSpPr>
         <p:spPr>
           <a:xfrm>
-            <a:off x="8075698" y="1934432"/>
-            <a:ext cx="3092368" cy="1607294"/>
+            <a:off x="8152803" y="2298987"/>
+            <a:ext cx="2932113" cy="1524000"/>
           </a:xfrm>
           <a:prstGeom prst="roundRect">
             <a:avLst>
-              <a:gd name="adj" fmla="val 1858"/>
+              <a:gd name="adj" fmla="val 0"/>
             </a:avLst>
           </a:prstGeom>
+          <a:noFill/>
+          <a:ln w="146050" cap="sq">
+            <a:solidFill>
+              <a:srgbClr val="FFFFFF"/>
+            </a:solidFill>
+            <a:miter lim="800000"/>
+          </a:ln>
           <a:effectLst>
-            <a:outerShdw blurRad="38100" dist="25400" dir="4440000">
+            <a:outerShdw blurRad="55000" dist="18000" dir="5400000" algn="tl" rotWithShape="0">
               <a:srgbClr val="000000">
-                <a:alpha val="36000"/>
+                <a:alpha val="40000"/>
               </a:srgbClr>
             </a:outerShdw>
           </a:effectLst>
+          <a:scene3d>
+            <a:camera prst="orthographicFront"/>
+            <a:lightRig rig="twoPt" dir="t">
+              <a:rot lat="0" lon="0" rev="7200000"/>
+            </a:lightRig>
+          </a:scene3d>
+          <a:sp3d>
+            <a:bevelT w="25400" h="19050"/>
+            <a:contourClr>
+              <a:srgbClr val="FFFFFF"/>
+            </a:contourClr>
+          </a:sp3d>
         </p:spPr>
         <p:txBody>
           <a:bodyPr anchor="t">
@@ -2803,8 +2730,8 @@
         </p:nvSpPr>
         <p:spPr>
           <a:xfrm>
-            <a:off x="7966572" y="4480365"/>
-            <a:ext cx="3300984" cy="1310835"/>
+            <a:off x="7973298" y="4772161"/>
+            <a:ext cx="3294258" cy="1019037"/>
           </a:xfrm>
         </p:spPr>
         <p:txBody>
@@ -2875,7 +2802,7 @@
           <a:p>
             <a:fld id="{7D17AC76-8AAE-413F-8554-373E76674A05}" type="datetimeFigureOut">
               <a:rPr lang="pt-BR" smtClean="0"/>
-              <a:t>05/12/2023</a:t>
+              <a:t>06/12/2023</a:t>
             </a:fld>
             <a:endParaRPr lang="pt-BR"/>
           </a:p>
@@ -2926,7 +2853,7 @@
     </p:spTree>
     <p:extLst>
       <p:ext uri="{BB962C8B-B14F-4D97-AF65-F5344CB8AC3E}">
-        <p14:creationId xmlns:p14="http://schemas.microsoft.com/office/powerpoint/2010/main" val="3962418665"/>
+        <p14:creationId xmlns:p14="http://schemas.microsoft.com/office/powerpoint/2010/main" val="3797397666"/>
       </p:ext>
     </p:extLst>
   </p:cSld>
@@ -2988,7 +2915,7 @@
         </p:nvSpPr>
         <p:spPr/>
         <p:txBody>
-          <a:bodyPr vert="eaVert" anchor="t"/>
+          <a:bodyPr vert="eaVert"/>
           <a:lstStyle/>
           <a:p>
             <a:pPr lvl="0"/>
@@ -3045,7 +2972,7 @@
           <a:p>
             <a:fld id="{7D17AC76-8AAE-413F-8554-373E76674A05}" type="datetimeFigureOut">
               <a:rPr lang="pt-BR" smtClean="0"/>
-              <a:t>05/12/2023</a:t>
+              <a:t>06/12/2023</a:t>
             </a:fld>
             <a:endParaRPr lang="pt-BR"/>
           </a:p>
@@ -3096,7 +3023,7 @@
     </p:spTree>
     <p:extLst>
       <p:ext uri="{BB962C8B-B14F-4D97-AF65-F5344CB8AC3E}">
-        <p14:creationId xmlns:p14="http://schemas.microsoft.com/office/powerpoint/2010/main" val="2759570358"/>
+        <p14:creationId xmlns:p14="http://schemas.microsoft.com/office/powerpoint/2010/main" val="2388581195"/>
       </p:ext>
     </p:extLst>
   </p:cSld>
@@ -3135,8 +3062,8 @@
         </p:nvSpPr>
         <p:spPr>
           <a:xfrm>
-            <a:off x="8983068" y="609599"/>
-            <a:ext cx="2284487" cy="5181601"/>
+            <a:off x="8724900" y="609599"/>
+            <a:ext cx="2542657" cy="5181601"/>
           </a:xfrm>
         </p:spPr>
         <p:txBody>
@@ -3167,12 +3094,12 @@
         </p:nvSpPr>
         <p:spPr>
           <a:xfrm>
-            <a:off x="913796" y="609599"/>
-            <a:ext cx="7916872" cy="5181601"/>
+            <a:off x="913794" y="609599"/>
+            <a:ext cx="7658705" cy="5181601"/>
           </a:xfrm>
         </p:spPr>
         <p:txBody>
-          <a:bodyPr vert="eaVert" anchor="t"/>
+          <a:bodyPr vert="eaVert"/>
           <a:lstStyle/>
           <a:p>
             <a:pPr lvl="0"/>
@@ -3229,7 +3156,7 @@
           <a:p>
             <a:fld id="{7D17AC76-8AAE-413F-8554-373E76674A05}" type="datetimeFigureOut">
               <a:rPr lang="pt-BR" smtClean="0"/>
-              <a:t>05/12/2023</a:t>
+              <a:t>06/12/2023</a:t>
             </a:fld>
             <a:endParaRPr lang="pt-BR"/>
           </a:p>
@@ -3280,7 +3207,7 @@
     </p:spTree>
     <p:extLst>
       <p:ext uri="{BB962C8B-B14F-4D97-AF65-F5344CB8AC3E}">
-        <p14:creationId xmlns:p14="http://schemas.microsoft.com/office/powerpoint/2010/main" val="2121573267"/>
+        <p14:creationId xmlns:p14="http://schemas.microsoft.com/office/powerpoint/2010/main" val="3929396577"/>
       </p:ext>
     </p:extLst>
   </p:cSld>
@@ -3399,7 +3326,7 @@
           <a:p>
             <a:fld id="{7D17AC76-8AAE-413F-8554-373E76674A05}" type="datetimeFigureOut">
               <a:rPr lang="pt-BR" smtClean="0"/>
-              <a:t>05/12/2023</a:t>
+              <a:t>06/12/2023</a:t>
             </a:fld>
             <a:endParaRPr lang="pt-BR"/>
           </a:p>
@@ -3450,7 +3377,7 @@
     </p:spTree>
     <p:extLst>
       <p:ext uri="{BB962C8B-B14F-4D97-AF65-F5344CB8AC3E}">
-        <p14:creationId xmlns:p14="http://schemas.microsoft.com/office/powerpoint/2010/main" val="1522848126"/>
+        <p14:creationId xmlns:p14="http://schemas.microsoft.com/office/powerpoint/2010/main" val="1719677741"/>
       </p:ext>
     </p:extLst>
   </p:cSld>
@@ -3489,15 +3416,17 @@
         </p:nvSpPr>
         <p:spPr>
           <a:xfrm>
-            <a:off x="1295401" y="1761067"/>
-            <a:ext cx="9590550" cy="1828813"/>
+            <a:off x="1229244" y="657226"/>
+            <a:ext cx="9733512" cy="2852737"/>
           </a:xfrm>
         </p:spPr>
         <p:txBody>
-          <a:bodyPr anchor="b"/>
+          <a:bodyPr anchor="b">
+            <a:normAutofit/>
+          </a:bodyPr>
           <a:lstStyle>
-            <a:lvl1pPr algn="ctr">
-              <a:defRPr sz="4000" b="0" cap="none"/>
+            <a:lvl1pPr>
+              <a:defRPr sz="3400"/>
             </a:lvl1pPr>
           </a:lstStyle>
           <a:p>
@@ -3521,24 +3450,26 @@
         </p:nvSpPr>
         <p:spPr>
           <a:xfrm>
-            <a:off x="1295401" y="3589879"/>
-            <a:ext cx="9590550" cy="1507054"/>
+            <a:off x="1229244" y="3602038"/>
+            <a:ext cx="9733512" cy="1500187"/>
           </a:xfrm>
         </p:spPr>
         <p:txBody>
-          <a:bodyPr anchor="t"/>
+          <a:bodyPr/>
           <a:lstStyle>
             <a:lvl1pPr marL="0" indent="0" algn="ctr">
               <a:buNone/>
-              <a:defRPr sz="2000">
+              <a:defRPr sz="2400">
                 <a:solidFill>
-                  <a:schemeClr val="tx1"/>
+                  <a:schemeClr val="tx1">
+                    <a:tint val="75000"/>
+                  </a:schemeClr>
                 </a:solidFill>
               </a:defRPr>
             </a:lvl1pPr>
             <a:lvl2pPr marL="457200" indent="0">
               <a:buNone/>
-              <a:defRPr sz="1800">
+              <a:defRPr sz="2000">
                 <a:solidFill>
                   <a:schemeClr val="tx1">
                     <a:tint val="75000"/>
@@ -3548,7 +3479,7 @@
             </a:lvl2pPr>
             <a:lvl3pPr marL="914400" indent="0">
               <a:buNone/>
-              <a:defRPr sz="1600">
+              <a:defRPr sz="1800">
                 <a:solidFill>
                   <a:schemeClr val="tx1">
                     <a:tint val="75000"/>
@@ -3558,7 +3489,7 @@
             </a:lvl3pPr>
             <a:lvl4pPr marL="1371600" indent="0">
               <a:buNone/>
-              <a:defRPr sz="1400">
+              <a:defRPr sz="1600">
                 <a:solidFill>
                   <a:schemeClr val="tx1">
                     <a:tint val="75000"/>
@@ -3568,7 +3499,7 @@
             </a:lvl4pPr>
             <a:lvl5pPr marL="1828800" indent="0">
               <a:buNone/>
-              <a:defRPr sz="1400">
+              <a:defRPr sz="1600">
                 <a:solidFill>
                   <a:schemeClr val="tx1">
                     <a:tint val="75000"/>
@@ -3578,7 +3509,7 @@
             </a:lvl5pPr>
             <a:lvl6pPr marL="2286000" indent="0">
               <a:buNone/>
-              <a:defRPr sz="1400">
+              <a:defRPr sz="1600">
                 <a:solidFill>
                   <a:schemeClr val="tx1">
                     <a:tint val="75000"/>
@@ -3588,7 +3519,7 @@
             </a:lvl6pPr>
             <a:lvl7pPr marL="2743200" indent="0">
               <a:buNone/>
-              <a:defRPr sz="1400">
+              <a:defRPr sz="1600">
                 <a:solidFill>
                   <a:schemeClr val="tx1">
                     <a:tint val="75000"/>
@@ -3598,7 +3529,7 @@
             </a:lvl7pPr>
             <a:lvl8pPr marL="3200400" indent="0">
               <a:buNone/>
-              <a:defRPr sz="1400">
+              <a:defRPr sz="1600">
                 <a:solidFill>
                   <a:schemeClr val="tx1">
                     <a:tint val="75000"/>
@@ -3608,7 +3539,7 @@
             </a:lvl8pPr>
             <a:lvl9pPr marL="3657600" indent="0">
               <a:buNone/>
-              <a:defRPr sz="1400">
+              <a:defRPr sz="1600">
                 <a:solidFill>
                   <a:schemeClr val="tx1">
                     <a:tint val="75000"/>
@@ -3643,7 +3574,7 @@
           <a:p>
             <a:fld id="{7D17AC76-8AAE-413F-8554-373E76674A05}" type="datetimeFigureOut">
               <a:rPr lang="pt-BR" smtClean="0"/>
-              <a:t>05/12/2023</a:t>
+              <a:t>06/12/2023</a:t>
             </a:fld>
             <a:endParaRPr lang="pt-BR"/>
           </a:p>
@@ -3694,7 +3625,7 @@
     </p:spTree>
     <p:extLst>
       <p:ext uri="{BB962C8B-B14F-4D97-AF65-F5344CB8AC3E}">
-        <p14:creationId xmlns:p14="http://schemas.microsoft.com/office/powerpoint/2010/main" val="1826619742"/>
+        <p14:creationId xmlns:p14="http://schemas.microsoft.com/office/powerpoint/2010/main" val="2327576290"/>
       </p:ext>
     </p:extLst>
   </p:cSld>
@@ -3731,73 +3662,19 @@
             <p:ph type="title"/>
           </p:nvPr>
         </p:nvSpPr>
-        <p:spPr/>
-        <p:txBody>
-          <a:bodyPr/>
-          <a:lstStyle/>
-          <a:p>
-            <a:r>
-              <a:rPr lang="pt-BR"/>
-              <a:t>Clique para editar o título Mestre</a:t>
-            </a:r>
-            <a:endParaRPr lang="en-US" dirty="0"/>
-          </a:p>
-        </p:txBody>
-      </p:sp>
-      <p:sp>
-        <p:nvSpPr>
-          <p:cNvPr id="3" name="Content Placeholder 2"/>
-          <p:cNvSpPr>
-            <a:spLocks noGrp="1"/>
-          </p:cNvSpPr>
-          <p:nvPr>
-            <p:ph sz="half" idx="1"/>
-          </p:nvPr>
-        </p:nvSpPr>
         <p:spPr>
           <a:xfrm>
-            <a:off x="913795" y="1732449"/>
-            <a:ext cx="5060497" cy="4058750"/>
+            <a:off x="913795" y="609600"/>
+            <a:ext cx="10353761" cy="1326321"/>
           </a:xfrm>
         </p:spPr>
         <p:txBody>
-          <a:bodyPr anchor="t">
-            <a:normAutofit/>
-          </a:bodyPr>
-          <a:lstStyle/>
-          <a:p>
-            <a:pPr lvl="0"/>
-            <a:r>
-              <a:rPr lang="pt-BR"/>
-              <a:t>Clique para editar os estilos de texto Mestres</a:t>
-            </a:r>
-          </a:p>
-          <a:p>
-            <a:pPr lvl="1"/>
-            <a:r>
-              <a:rPr lang="pt-BR"/>
-              <a:t>Segundo nível</a:t>
-            </a:r>
-          </a:p>
-          <a:p>
-            <a:pPr lvl="2"/>
-            <a:r>
-              <a:rPr lang="pt-BR"/>
-              <a:t>Terceiro nível</a:t>
-            </a:r>
-          </a:p>
-          <a:p>
-            <a:pPr lvl="3"/>
-            <a:r>
-              <a:rPr lang="pt-BR"/>
-              <a:t>Quarto nível</a:t>
-            </a:r>
-          </a:p>
-          <a:p>
-            <a:pPr lvl="4"/>
-            <a:r>
-              <a:rPr lang="pt-BR"/>
-              <a:t>Quinto nível</a:t>
+          <a:bodyPr/>
+          <a:lstStyle/>
+          <a:p>
+            <a:r>
+              <a:rPr lang="pt-BR"/>
+              <a:t>Clique para editar o título Mestre</a:t>
             </a:r>
             <a:endParaRPr lang="en-US" dirty="0"/>
           </a:p>
@@ -3805,24 +3682,79 @@
       </p:sp>
       <p:sp>
         <p:nvSpPr>
-          <p:cNvPr id="4" name="Content Placeholder 3"/>
-          <p:cNvSpPr>
-            <a:spLocks noGrp="1"/>
-          </p:cNvSpPr>
-          <p:nvPr>
-            <p:ph sz="half" idx="2"/>
+          <p:cNvPr id="3" name="Content Placeholder 2"/>
+          <p:cNvSpPr>
+            <a:spLocks noGrp="1"/>
+          </p:cNvSpPr>
+          <p:nvPr>
+            <p:ph sz="half" idx="1"/>
           </p:nvPr>
         </p:nvSpPr>
         <p:spPr>
           <a:xfrm>
-            <a:off x="6202892" y="1732449"/>
-            <a:ext cx="5064665" cy="4058751"/>
+            <a:off x="913795" y="2088319"/>
+            <a:ext cx="5106004" cy="3702881"/>
           </a:xfrm>
         </p:spPr>
         <p:txBody>
-          <a:bodyPr anchor="t">
-            <a:normAutofit/>
-          </a:bodyPr>
+          <a:bodyPr/>
+          <a:lstStyle/>
+          <a:p>
+            <a:pPr lvl="0"/>
+            <a:r>
+              <a:rPr lang="pt-BR"/>
+              <a:t>Clique para editar os estilos de texto Mestres</a:t>
+            </a:r>
+          </a:p>
+          <a:p>
+            <a:pPr lvl="1"/>
+            <a:r>
+              <a:rPr lang="pt-BR"/>
+              <a:t>Segundo nível</a:t>
+            </a:r>
+          </a:p>
+          <a:p>
+            <a:pPr lvl="2"/>
+            <a:r>
+              <a:rPr lang="pt-BR"/>
+              <a:t>Terceiro nível</a:t>
+            </a:r>
+          </a:p>
+          <a:p>
+            <a:pPr lvl="3"/>
+            <a:r>
+              <a:rPr lang="pt-BR"/>
+              <a:t>Quarto nível</a:t>
+            </a:r>
+          </a:p>
+          <a:p>
+            <a:pPr lvl="4"/>
+            <a:r>
+              <a:rPr lang="pt-BR"/>
+              <a:t>Quinto nível</a:t>
+            </a:r>
+            <a:endParaRPr lang="en-US" dirty="0"/>
+          </a:p>
+        </p:txBody>
+      </p:sp>
+      <p:sp>
+        <p:nvSpPr>
+          <p:cNvPr id="4" name="Content Placeholder 3"/>
+          <p:cNvSpPr>
+            <a:spLocks noGrp="1"/>
+          </p:cNvSpPr>
+          <p:nvPr>
+            <p:ph sz="half" idx="2"/>
+          </p:nvPr>
+        </p:nvSpPr>
+        <p:spPr>
+          <a:xfrm>
+            <a:off x="6173403" y="2088319"/>
+            <a:ext cx="5094154" cy="3702881"/>
+          </a:xfrm>
+        </p:spPr>
+        <p:txBody>
+          <a:bodyPr/>
           <a:lstStyle/>
           <a:p>
             <a:pPr lvl="0"/>
@@ -3879,7 +3811,7 @@
           <a:p>
             <a:fld id="{7D17AC76-8AAE-413F-8554-373E76674A05}" type="datetimeFigureOut">
               <a:rPr lang="pt-BR" smtClean="0"/>
-              <a:t>05/12/2023</a:t>
+              <a:t>06/12/2023</a:t>
             </a:fld>
             <a:endParaRPr lang="pt-BR"/>
           </a:p>
@@ -3930,7 +3862,7 @@
     </p:spTree>
     <p:extLst>
       <p:ext uri="{BB962C8B-B14F-4D97-AF65-F5344CB8AC3E}">
-        <p14:creationId xmlns:p14="http://schemas.microsoft.com/office/powerpoint/2010/main" val="4260943922"/>
+        <p14:creationId xmlns:p14="http://schemas.microsoft.com/office/powerpoint/2010/main" val="1775479894"/>
       </p:ext>
     </p:extLst>
   </p:cSld>
@@ -3957,117 +3889,59 @@
           <a:chExt cx="0" cy="0"/>
         </a:xfrm>
       </p:grpSpPr>
-      <p:pic>
-        <p:nvPicPr>
-          <p:cNvPr id="20" name="Picture 19" descr="Slate-V2-HD-compPhotoInset.png"/>
-          <p:cNvPicPr>
-            <a:picLocks noChangeAspect="1"/>
-          </p:cNvPicPr>
-          <p:nvPr/>
-        </p:nvPicPr>
-        <p:blipFill>
-          <a:blip r:embed="rId2">
-            <a:extLst>
-              <a:ext uri="{28A0092B-C50C-407E-A947-70E740481C1C}">
-                <a14:useLocalDpi xmlns:a14="http://schemas.microsoft.com/office/drawing/2010/main" val="0"/>
-              </a:ext>
-            </a:extLst>
-          </a:blip>
-          <a:stretch>
-            <a:fillRect/>
-          </a:stretch>
-        </p:blipFill>
+      <p:sp>
+        <p:nvSpPr>
+          <p:cNvPr id="2" name="Title 1"/>
+          <p:cNvSpPr>
+            <a:spLocks noGrp="1"/>
+          </p:cNvSpPr>
+          <p:nvPr>
+            <p:ph type="title"/>
+          </p:nvPr>
+        </p:nvSpPr>
         <p:spPr>
           <a:xfrm>
-            <a:off x="913795" y="1734506"/>
-            <a:ext cx="5089072" cy="4148769"/>
+            <a:off x="913795" y="609600"/>
+            <a:ext cx="10353761" cy="1325563"/>
           </a:xfrm>
-          <a:prstGeom prst="rect">
-            <a:avLst/>
-          </a:prstGeom>
         </p:spPr>
-      </p:pic>
-      <p:pic>
-        <p:nvPicPr>
-          <p:cNvPr id="21" name="Picture 20" descr="Slate-V2-HD-compPhotoInset.png"/>
-          <p:cNvPicPr>
-            <a:picLocks noChangeAspect="1"/>
-          </p:cNvPicPr>
-          <p:nvPr/>
-        </p:nvPicPr>
-        <p:blipFill>
-          <a:blip r:embed="rId2">
-            <a:extLst>
-              <a:ext uri="{28A0092B-C50C-407E-A947-70E740481C1C}">
-                <a14:useLocalDpi xmlns:a14="http://schemas.microsoft.com/office/drawing/2010/main" val="0"/>
-              </a:ext>
-            </a:extLst>
-          </a:blip>
-          <a:stretch>
-            <a:fillRect/>
-          </a:stretch>
-        </p:blipFill>
+        <p:txBody>
+          <a:bodyPr/>
+          <a:lstStyle/>
+          <a:p>
+            <a:r>
+              <a:rPr lang="pt-BR"/>
+              <a:t>Clique para editar o título Mestre</a:t>
+            </a:r>
+            <a:endParaRPr lang="en-US" dirty="0"/>
+          </a:p>
+        </p:txBody>
+      </p:sp>
+      <p:sp>
+        <p:nvSpPr>
+          <p:cNvPr id="3" name="Text Placeholder 2"/>
+          <p:cNvSpPr>
+            <a:spLocks noGrp="1"/>
+          </p:cNvSpPr>
+          <p:nvPr>
+            <p:ph type="body" idx="1"/>
+          </p:nvPr>
+        </p:nvSpPr>
         <p:spPr>
           <a:xfrm>
-            <a:off x="6178485" y="1734506"/>
-            <a:ext cx="5089072" cy="4148769"/>
-          </a:xfrm>
-          <a:prstGeom prst="rect">
-            <a:avLst/>
-          </a:prstGeom>
-        </p:spPr>
-      </p:pic>
-      <p:sp>
-        <p:nvSpPr>
-          <p:cNvPr id="2" name="Title 1"/>
-          <p:cNvSpPr>
-            <a:spLocks noGrp="1"/>
-          </p:cNvSpPr>
-          <p:nvPr>
-            <p:ph type="title"/>
-          </p:nvPr>
-        </p:nvSpPr>
-        <p:spPr/>
-        <p:txBody>
-          <a:bodyPr/>
-          <a:lstStyle>
-            <a:lvl1pPr>
-              <a:defRPr/>
-            </a:lvl1pPr>
-          </a:lstStyle>
-          <a:p>
-            <a:r>
-              <a:rPr lang="pt-BR"/>
-              <a:t>Clique para editar o título Mestre</a:t>
-            </a:r>
-            <a:endParaRPr lang="en-US" dirty="0"/>
-          </a:p>
-        </p:txBody>
-      </p:sp>
-      <p:sp>
-        <p:nvSpPr>
-          <p:cNvPr id="3" name="Text Placeholder 2"/>
-          <p:cNvSpPr>
-            <a:spLocks noGrp="1"/>
-          </p:cNvSpPr>
-          <p:nvPr>
-            <p:ph type="body" idx="1"/>
-          </p:nvPr>
-        </p:nvSpPr>
-        <p:spPr>
-          <a:xfrm>
-            <a:off x="1005872" y="1835254"/>
-            <a:ext cx="4876344" cy="544884"/>
+            <a:off x="1141804" y="2088320"/>
+            <a:ext cx="4879199" cy="823912"/>
           </a:xfrm>
         </p:spPr>
         <p:txBody>
-          <a:bodyPr anchor="b">
-            <a:noAutofit/>
-          </a:bodyPr>
+          <a:bodyPr anchor="b"/>
           <a:lstStyle>
-            <a:lvl1pPr marL="0" indent="0" algn="ctr">
-              <a:buNone/>
-              <a:defRPr sz="2400" b="0"/>
+            <a:lvl1pPr marL="0" indent="0">
+              <a:lnSpc>
+                <a:spcPct val="100000"/>
+              </a:lnSpc>
+              <a:buNone/>
+              <a:defRPr sz="2400" b="1"/>
             </a:lvl1pPr>
             <a:lvl2pPr marL="457200" indent="0">
               <a:buNone/>
@@ -4123,31 +3997,13 @@
         </p:nvSpPr>
         <p:spPr>
           <a:xfrm>
-            <a:off x="1005872" y="2380137"/>
-            <a:ext cx="4876344" cy="3411063"/>
+            <a:off x="913795" y="2912232"/>
+            <a:ext cx="5107208" cy="2878968"/>
           </a:xfrm>
         </p:spPr>
         <p:txBody>
-          <a:bodyPr anchor="t">
-            <a:normAutofit/>
-          </a:bodyPr>
-          <a:lstStyle>
-            <a:lvl1pPr>
-              <a:defRPr sz="1800"/>
-            </a:lvl1pPr>
-            <a:lvl2pPr>
-              <a:defRPr sz="1600"/>
-            </a:lvl2pPr>
-            <a:lvl3pPr>
-              <a:defRPr sz="1400"/>
-            </a:lvl3pPr>
-            <a:lvl4pPr>
-              <a:defRPr sz="1200"/>
-            </a:lvl4pPr>
-            <a:lvl5pPr>
-              <a:defRPr sz="1200"/>
-            </a:lvl5pPr>
-          </a:lstStyle>
+          <a:bodyPr/>
+          <a:lstStyle/>
           <a:p>
             <a:pPr lvl="0"/>
             <a:r>
@@ -4198,18 +4054,19 @@
         </p:nvSpPr>
         <p:spPr>
           <a:xfrm>
-            <a:off x="6294967" y="1835254"/>
-            <a:ext cx="4895330" cy="544883"/>
+            <a:off x="6402003" y="2088320"/>
+            <a:ext cx="4865554" cy="823912"/>
           </a:xfrm>
         </p:spPr>
         <p:txBody>
-          <a:bodyPr anchor="b">
-            <a:noAutofit/>
-          </a:bodyPr>
+          <a:bodyPr anchor="b"/>
           <a:lstStyle>
-            <a:lvl1pPr marL="0" indent="0" algn="ctr">
-              <a:buNone/>
-              <a:defRPr sz="2400" b="0"/>
+            <a:lvl1pPr marL="0" indent="0">
+              <a:lnSpc>
+                <a:spcPct val="100000"/>
+              </a:lnSpc>
+              <a:buNone/>
+              <a:defRPr sz="2400" b="1"/>
             </a:lvl1pPr>
             <a:lvl2pPr marL="457200" indent="0">
               <a:buNone/>
@@ -4265,31 +4122,13 @@
         </p:nvSpPr>
         <p:spPr>
           <a:xfrm>
-            <a:off x="6294967" y="2380137"/>
-            <a:ext cx="4895330" cy="3411063"/>
+            <a:off x="6172200" y="2912232"/>
+            <a:ext cx="5095357" cy="2878968"/>
           </a:xfrm>
         </p:spPr>
         <p:txBody>
-          <a:bodyPr anchor="t">
-            <a:normAutofit/>
-          </a:bodyPr>
-          <a:lstStyle>
-            <a:lvl1pPr>
-              <a:defRPr sz="1800"/>
-            </a:lvl1pPr>
-            <a:lvl2pPr>
-              <a:defRPr sz="1600"/>
-            </a:lvl2pPr>
-            <a:lvl3pPr>
-              <a:defRPr sz="1400"/>
-            </a:lvl3pPr>
-            <a:lvl4pPr>
-              <a:defRPr sz="1200"/>
-            </a:lvl4pPr>
-            <a:lvl5pPr>
-              <a:defRPr sz="1200"/>
-            </a:lvl5pPr>
-          </a:lstStyle>
+          <a:bodyPr/>
+          <a:lstStyle/>
           <a:p>
             <a:pPr lvl="0"/>
             <a:r>
@@ -4345,7 +4184,7 @@
           <a:p>
             <a:fld id="{7D17AC76-8AAE-413F-8554-373E76674A05}" type="datetimeFigureOut">
               <a:rPr lang="pt-BR" smtClean="0"/>
-              <a:t>05/12/2023</a:t>
+              <a:t>06/12/2023</a:t>
             </a:fld>
             <a:endParaRPr lang="pt-BR"/>
           </a:p>
@@ -4396,7 +4235,7 @@
     </p:spTree>
     <p:extLst>
       <p:ext uri="{BB962C8B-B14F-4D97-AF65-F5344CB8AC3E}">
-        <p14:creationId xmlns:p14="http://schemas.microsoft.com/office/powerpoint/2010/main" val="1044498435"/>
+        <p14:creationId xmlns:p14="http://schemas.microsoft.com/office/powerpoint/2010/main" val="527221138"/>
       </p:ext>
     </p:extLst>
   </p:cSld>
@@ -4463,7 +4302,7 @@
           <a:p>
             <a:fld id="{7D17AC76-8AAE-413F-8554-373E76674A05}" type="datetimeFigureOut">
               <a:rPr lang="pt-BR" smtClean="0"/>
-              <a:t>05/12/2023</a:t>
+              <a:t>06/12/2023</a:t>
             </a:fld>
             <a:endParaRPr lang="pt-BR"/>
           </a:p>
@@ -4514,7 +4353,7 @@
     </p:spTree>
     <p:extLst>
       <p:ext uri="{BB962C8B-B14F-4D97-AF65-F5344CB8AC3E}">
-        <p14:creationId xmlns:p14="http://schemas.microsoft.com/office/powerpoint/2010/main" val="260356360"/>
+        <p14:creationId xmlns:p14="http://schemas.microsoft.com/office/powerpoint/2010/main" val="254333729"/>
       </p:ext>
     </p:extLst>
   </p:cSld>
@@ -4558,7 +4397,7 @@
           <a:p>
             <a:fld id="{7D17AC76-8AAE-413F-8554-373E76674A05}" type="datetimeFigureOut">
               <a:rPr lang="pt-BR" smtClean="0"/>
-              <a:t>05/12/2023</a:t>
+              <a:t>06/12/2023</a:t>
             </a:fld>
             <a:endParaRPr lang="pt-BR"/>
           </a:p>
@@ -4609,7 +4448,7 @@
     </p:spTree>
     <p:extLst>
       <p:ext uri="{BB962C8B-B14F-4D97-AF65-F5344CB8AC3E}">
-        <p14:creationId xmlns:p14="http://schemas.microsoft.com/office/powerpoint/2010/main" val="3110487650"/>
+        <p14:creationId xmlns:p14="http://schemas.microsoft.com/office/powerpoint/2010/main" val="1784048674"/>
       </p:ext>
     </p:extLst>
   </p:cSld>
@@ -4648,8 +4487,8 @@
         </p:nvSpPr>
         <p:spPr>
           <a:xfrm>
-            <a:off x="913795" y="609600"/>
-            <a:ext cx="3706889" cy="1821918"/>
+            <a:off x="917228" y="609600"/>
+            <a:ext cx="3932237" cy="2362200"/>
           </a:xfrm>
         </p:spPr>
         <p:txBody>
@@ -4657,8 +4496,8 @@
             <a:normAutofit/>
           </a:bodyPr>
           <a:lstStyle>
-            <a:lvl1pPr algn="ctr">
-              <a:defRPr sz="2400" b="0"/>
+            <a:lvl1pPr>
+              <a:defRPr sz="2800"/>
             </a:lvl1pPr>
           </a:lstStyle>
           <a:p>
@@ -4682,14 +4521,12 @@
         </p:nvSpPr>
         <p:spPr>
           <a:xfrm>
-            <a:off x="4855633" y="609600"/>
-            <a:ext cx="6411924" cy="5181600"/>
+            <a:off x="5078064" y="609600"/>
+            <a:ext cx="6189492" cy="5181600"/>
           </a:xfrm>
         </p:spPr>
         <p:txBody>
-          <a:bodyPr>
-            <a:normAutofit/>
-          </a:bodyPr>
+          <a:bodyPr anchor="ctr"/>
           <a:lstStyle/>
           <a:p>
             <a:pPr lvl="0"/>
@@ -4741,14 +4578,12 @@
         </p:nvSpPr>
         <p:spPr>
           <a:xfrm>
-            <a:off x="913795" y="2431518"/>
-            <a:ext cx="3706889" cy="3359681"/>
+            <a:off x="917228" y="2971800"/>
+            <a:ext cx="3932237" cy="2819399"/>
           </a:xfrm>
         </p:spPr>
         <p:txBody>
-          <a:bodyPr anchor="t">
-            <a:normAutofit/>
-          </a:bodyPr>
+          <a:bodyPr/>
           <a:lstStyle>
             <a:lvl1pPr marL="0" indent="0" algn="ctr">
               <a:buNone/>
@@ -4756,35 +4591,35 @@
             </a:lvl1pPr>
             <a:lvl2pPr marL="457200" indent="0">
               <a:buNone/>
-              <a:defRPr sz="1200"/>
+              <a:defRPr sz="1400"/>
             </a:lvl2pPr>
             <a:lvl3pPr marL="914400" indent="0">
               <a:buNone/>
-              <a:defRPr sz="1000"/>
+              <a:defRPr sz="1200"/>
             </a:lvl3pPr>
             <a:lvl4pPr marL="1371600" indent="0">
               <a:buNone/>
-              <a:defRPr sz="900"/>
+              <a:defRPr sz="1000"/>
             </a:lvl4pPr>
             <a:lvl5pPr marL="1828800" indent="0">
               <a:buNone/>
-              <a:defRPr sz="900"/>
+              <a:defRPr sz="1000"/>
             </a:lvl5pPr>
             <a:lvl6pPr marL="2286000" indent="0">
               <a:buNone/>
-              <a:defRPr sz="900"/>
+              <a:defRPr sz="1000"/>
             </a:lvl6pPr>
             <a:lvl7pPr marL="2743200" indent="0">
               <a:buNone/>
-              <a:defRPr sz="900"/>
+              <a:defRPr sz="1000"/>
             </a:lvl7pPr>
             <a:lvl8pPr marL="3200400" indent="0">
               <a:buNone/>
-              <a:defRPr sz="900"/>
+              <a:defRPr sz="1000"/>
             </a:lvl8pPr>
             <a:lvl9pPr marL="3657600" indent="0">
               <a:buNone/>
-              <a:defRPr sz="900"/>
+              <a:defRPr sz="1000"/>
             </a:lvl9pPr>
           </a:lstStyle>
           <a:p>
@@ -4813,7 +4648,7 @@
           <a:p>
             <a:fld id="{7D17AC76-8AAE-413F-8554-373E76674A05}" type="datetimeFigureOut">
               <a:rPr lang="pt-BR" smtClean="0"/>
-              <a:t>05/12/2023</a:t>
+              <a:t>06/12/2023</a:t>
             </a:fld>
             <a:endParaRPr lang="pt-BR"/>
           </a:p>
@@ -4864,7 +4699,7 @@
     </p:spTree>
     <p:extLst>
       <p:ext uri="{BB962C8B-B14F-4D97-AF65-F5344CB8AC3E}">
-        <p14:creationId xmlns:p14="http://schemas.microsoft.com/office/powerpoint/2010/main" val="2811910475"/>
+        <p14:creationId xmlns:p14="http://schemas.microsoft.com/office/powerpoint/2010/main" val="2230561144"/>
       </p:ext>
     </p:extLst>
   </p:cSld>
@@ -4891,203 +4726,190 @@
           <a:chExt cx="0" cy="0"/>
         </a:xfrm>
       </p:grpSpPr>
-      <p:pic>
-        <p:nvPicPr>
-          <p:cNvPr id="22" name="Picture 21" descr="Slate-V2-HD-vertPhotoInset.png"/>
-          <p:cNvPicPr>
-            <a:picLocks noChangeAspect="1"/>
-          </p:cNvPicPr>
-          <p:nvPr/>
-        </p:nvPicPr>
-        <p:blipFill>
-          <a:blip r:embed="rId2">
-            <a:extLst>
-              <a:ext uri="{28A0092B-C50C-407E-A947-70E740481C1C}">
-                <a14:useLocalDpi xmlns:a14="http://schemas.microsoft.com/office/drawing/2010/main" val="0"/>
-              </a:ext>
-            </a:extLst>
-          </a:blip>
-          <a:stretch>
-            <a:fillRect/>
-          </a:stretch>
-        </p:blipFill>
+      <p:sp>
+        <p:nvSpPr>
+          <p:cNvPr id="2" name="Title 1"/>
+          <p:cNvSpPr>
+            <a:spLocks noGrp="1"/>
+          </p:cNvSpPr>
+          <p:nvPr>
+            <p:ph type="title"/>
+          </p:nvPr>
+        </p:nvSpPr>
         <p:spPr>
           <a:xfrm>
-            <a:off x="7293665" y="609600"/>
-            <a:ext cx="3584166" cy="5204832"/>
+            <a:off x="917227" y="609600"/>
+            <a:ext cx="5929773" cy="2362200"/>
           </a:xfrm>
-          <a:prstGeom prst="rect">
-            <a:avLst/>
-          </a:prstGeom>
         </p:spPr>
-      </p:pic>
-      <p:sp>
-        <p:nvSpPr>
-          <p:cNvPr id="2" name="Title 1"/>
-          <p:cNvSpPr>
-            <a:spLocks noGrp="1"/>
-          </p:cNvSpPr>
-          <p:nvPr>
-            <p:ph type="title"/>
+        <p:txBody>
+          <a:bodyPr anchor="b">
+            <a:normAutofit/>
+          </a:bodyPr>
+          <a:lstStyle>
+            <a:lvl1pPr>
+              <a:defRPr sz="3200"/>
+            </a:lvl1pPr>
+          </a:lstStyle>
+          <a:p>
+            <a:r>
+              <a:rPr lang="pt-BR"/>
+              <a:t>Clique para editar o título Mestre</a:t>
+            </a:r>
+            <a:endParaRPr lang="en-US" dirty="0"/>
+          </a:p>
+        </p:txBody>
+      </p:sp>
+      <p:sp>
+        <p:nvSpPr>
+          <p:cNvPr id="3" name="Picture Placeholder 2"/>
+          <p:cNvSpPr>
+            <a:spLocks noGrp="1" noChangeAspect="1"/>
+          </p:cNvSpPr>
+          <p:nvPr>
+            <p:ph type="pic" idx="1"/>
           </p:nvPr>
         </p:nvSpPr>
         <p:spPr>
           <a:xfrm>
-            <a:off x="913795" y="609923"/>
-            <a:ext cx="5934949" cy="1829338"/>
+            <a:off x="7424804" y="758881"/>
+            <a:ext cx="3255356" cy="4883038"/>
           </a:xfrm>
-        </p:spPr>
-        <p:txBody>
-          <a:bodyPr anchor="b">
-            <a:noAutofit/>
-          </a:bodyPr>
-          <a:lstStyle>
-            <a:lvl1pPr algn="ctr">
-              <a:defRPr sz="3200" b="0"/>
-            </a:lvl1pPr>
-          </a:lstStyle>
-          <a:p>
-            <a:r>
-              <a:rPr lang="pt-BR"/>
-              <a:t>Clique para editar o título Mestre</a:t>
-            </a:r>
-            <a:endParaRPr lang="en-US" dirty="0"/>
-          </a:p>
-        </p:txBody>
-      </p:sp>
-      <p:sp>
-        <p:nvSpPr>
-          <p:cNvPr id="3" name="Picture Placeholder 2"/>
-          <p:cNvSpPr>
-            <a:spLocks noGrp="1" noChangeAspect="1"/>
-          </p:cNvSpPr>
-          <p:nvPr>
-            <p:ph type="pic" idx="1"/>
-          </p:nvPr>
-        </p:nvSpPr>
-        <p:spPr>
-          <a:xfrm>
-            <a:off x="7442551" y="763702"/>
-            <a:ext cx="3275751" cy="4912822"/>
-          </a:xfrm>
+          <a:noFill/>
+          <a:ln w="190500" cap="sq">
+            <a:solidFill>
+              <a:srgbClr val="FFFFFF"/>
+            </a:solidFill>
+            <a:miter lim="800000"/>
+          </a:ln>
           <a:effectLst>
-            <a:outerShdw blurRad="38100" dist="25400" dir="4440000">
+            <a:outerShdw blurRad="55000" dist="18000" dir="5400000" algn="tl" rotWithShape="0">
               <a:srgbClr val="000000">
-                <a:alpha val="36000"/>
+                <a:alpha val="40000"/>
               </a:srgbClr>
             </a:outerShdw>
           </a:effectLst>
+          <a:scene3d>
+            <a:camera prst="orthographicFront"/>
+            <a:lightRig rig="twoPt" dir="t">
+              <a:rot lat="0" lon="0" rev="7200000"/>
+            </a:lightRig>
+          </a:scene3d>
+          <a:sp3d>
+            <a:bevelT w="25400" h="19050"/>
+            <a:contourClr>
+              <a:srgbClr val="FFFFFF"/>
+            </a:contourClr>
+          </a:sp3d>
         </p:spPr>
         <p:txBody>
-          <a:bodyPr anchor="t">
+          <a:bodyPr anchor="t"/>
+          <a:lstStyle>
+            <a:lvl1pPr marL="0" indent="0" algn="ctr">
+              <a:buNone/>
+              <a:defRPr sz="3200"/>
+            </a:lvl1pPr>
+            <a:lvl2pPr marL="457200" indent="0">
+              <a:buNone/>
+              <a:defRPr sz="2800"/>
+            </a:lvl2pPr>
+            <a:lvl3pPr marL="914400" indent="0">
+              <a:buNone/>
+              <a:defRPr sz="2400"/>
+            </a:lvl3pPr>
+            <a:lvl4pPr marL="1371600" indent="0">
+              <a:buNone/>
+              <a:defRPr sz="2000"/>
+            </a:lvl4pPr>
+            <a:lvl5pPr marL="1828800" indent="0">
+              <a:buNone/>
+              <a:defRPr sz="2000"/>
+            </a:lvl5pPr>
+            <a:lvl6pPr marL="2286000" indent="0">
+              <a:buNone/>
+              <a:defRPr sz="2000"/>
+            </a:lvl6pPr>
+            <a:lvl7pPr marL="2743200" indent="0">
+              <a:buNone/>
+              <a:defRPr sz="2000"/>
+            </a:lvl7pPr>
+            <a:lvl8pPr marL="3200400" indent="0">
+              <a:buNone/>
+              <a:defRPr sz="2000"/>
+            </a:lvl8pPr>
+            <a:lvl9pPr marL="3657600" indent="0">
+              <a:buNone/>
+              <a:defRPr sz="2000"/>
+            </a:lvl9pPr>
+          </a:lstStyle>
+          <a:p>
+            <a:r>
+              <a:rPr lang="pt-BR"/>
+              <a:t>Clique no ícone para adicionar uma imagem</a:t>
+            </a:r>
+            <a:endParaRPr lang="en-US" dirty="0"/>
+          </a:p>
+        </p:txBody>
+      </p:sp>
+      <p:sp>
+        <p:nvSpPr>
+          <p:cNvPr id="4" name="Text Placeholder 3"/>
+          <p:cNvSpPr>
+            <a:spLocks noGrp="1"/>
+          </p:cNvSpPr>
+          <p:nvPr>
+            <p:ph type="body" sz="half" idx="2"/>
+          </p:nvPr>
+        </p:nvSpPr>
+        <p:spPr>
+          <a:xfrm>
+            <a:off x="913794" y="2971800"/>
+            <a:ext cx="5934950" cy="2819400"/>
+          </a:xfrm>
+        </p:spPr>
+        <p:txBody>
+          <a:bodyPr>
             <a:normAutofit/>
           </a:bodyPr>
           <a:lstStyle>
             <a:lvl1pPr marL="0" indent="0" algn="ctr">
               <a:buNone/>
-              <a:defRPr sz="1600"/>
+              <a:defRPr sz="1800"/>
             </a:lvl1pPr>
             <a:lvl2pPr marL="457200" indent="0">
               <a:buNone/>
-              <a:defRPr sz="1600"/>
+              <a:defRPr sz="1400"/>
             </a:lvl2pPr>
             <a:lvl3pPr marL="914400" indent="0">
               <a:buNone/>
-              <a:defRPr sz="1600"/>
+              <a:defRPr sz="1200"/>
             </a:lvl3pPr>
             <a:lvl4pPr marL="1371600" indent="0">
               <a:buNone/>
-              <a:defRPr sz="1600"/>
+              <a:defRPr sz="1000"/>
             </a:lvl4pPr>
             <a:lvl5pPr marL="1828800" indent="0">
               <a:buNone/>
-              <a:defRPr sz="1600"/>
+              <a:defRPr sz="1000"/>
             </a:lvl5pPr>
             <a:lvl6pPr marL="2286000" indent="0">
               <a:buNone/>
-              <a:defRPr sz="1600"/>
+              <a:defRPr sz="1000"/>
             </a:lvl6pPr>
             <a:lvl7pPr marL="2743200" indent="0">
               <a:buNone/>
-              <a:defRPr sz="1600"/>
+              <a:defRPr sz="1000"/>
             </a:lvl7pPr>
             <a:lvl8pPr marL="3200400" indent="0">
               <a:buNone/>
-              <a:defRPr sz="1600"/>
+              <a:defRPr sz="1000"/>
             </a:lvl8pPr>
             <a:lvl9pPr marL="3657600" indent="0">
               <a:buNone/>
-              <a:defRPr sz="1600"/>
+              <a:defRPr sz="1000"/>
             </a:lvl9pPr>
           </a:lstStyle>
           <a:p>
-            <a:r>
-              <a:rPr lang="pt-BR"/>
-              <a:t>Clique no ícone para adicionar uma imagem</a:t>
-            </a:r>
-            <a:endParaRPr lang="en-US" dirty="0"/>
-          </a:p>
-        </p:txBody>
-      </p:sp>
-      <p:sp>
-        <p:nvSpPr>
-          <p:cNvPr id="4" name="Text Placeholder 3"/>
-          <p:cNvSpPr>
-            <a:spLocks noGrp="1"/>
-          </p:cNvSpPr>
-          <p:nvPr>
-            <p:ph type="body" sz="half" idx="2"/>
-          </p:nvPr>
-        </p:nvSpPr>
-        <p:spPr>
-          <a:xfrm>
-            <a:off x="913795" y="2439261"/>
-            <a:ext cx="5934949" cy="3376134"/>
-          </a:xfrm>
-        </p:spPr>
-        <p:txBody>
-          <a:bodyPr anchor="t">
-            <a:normAutofit/>
-          </a:bodyPr>
-          <a:lstStyle>
-            <a:lvl1pPr marL="0" indent="0" algn="ctr">
-              <a:buNone/>
-              <a:defRPr sz="1600"/>
-            </a:lvl1pPr>
-            <a:lvl2pPr marL="457200" indent="0">
-              <a:buNone/>
-              <a:defRPr sz="1200"/>
-            </a:lvl2pPr>
-            <a:lvl3pPr marL="914400" indent="0">
-              <a:buNone/>
-              <a:defRPr sz="1000"/>
-            </a:lvl3pPr>
-            <a:lvl4pPr marL="1371600" indent="0">
-              <a:buNone/>
-              <a:defRPr sz="900"/>
-            </a:lvl4pPr>
-            <a:lvl5pPr marL="1828800" indent="0">
-              <a:buNone/>
-              <a:defRPr sz="900"/>
-            </a:lvl5pPr>
-            <a:lvl6pPr marL="2286000" indent="0">
-              <a:buNone/>
-              <a:defRPr sz="900"/>
-            </a:lvl6pPr>
-            <a:lvl7pPr marL="2743200" indent="0">
-              <a:buNone/>
-              <a:defRPr sz="900"/>
-            </a:lvl7pPr>
-            <a:lvl8pPr marL="3200400" indent="0">
-              <a:buNone/>
-              <a:defRPr sz="900"/>
-            </a:lvl8pPr>
-            <a:lvl9pPr marL="3657600" indent="0">
-              <a:buNone/>
-              <a:defRPr sz="900"/>
-            </a:lvl9pPr>
-          </a:lstStyle>
-          <a:p>
             <a:pPr lvl="0"/>
             <a:r>
               <a:rPr lang="pt-BR"/>
@@ -5113,7 +4935,7 @@
           <a:p>
             <a:fld id="{7D17AC76-8AAE-413F-8554-373E76674A05}" type="datetimeFigureOut">
               <a:rPr lang="pt-BR" smtClean="0"/>
-              <a:t>05/12/2023</a:t>
+              <a:t>06/12/2023</a:t>
             </a:fld>
             <a:endParaRPr lang="pt-BR"/>
           </a:p>
@@ -5164,7 +4986,7 @@
     </p:spTree>
     <p:extLst>
       <p:ext uri="{BB962C8B-B14F-4D97-AF65-F5344CB8AC3E}">
-        <p14:creationId xmlns:p14="http://schemas.microsoft.com/office/powerpoint/2010/main" val="3592339786"/>
+        <p14:creationId xmlns:p14="http://schemas.microsoft.com/office/powerpoint/2010/main" val="4264604084"/>
       </p:ext>
     </p:extLst>
   </p:cSld>
@@ -5209,18 +5031,11 @@
         <p:spPr>
           <a:xfrm>
             <a:off x="913795" y="609600"/>
-            <a:ext cx="10353762" cy="970450"/>
+            <a:ext cx="10353761" cy="1326321"/>
           </a:xfrm>
           <a:prstGeom prst="rect">
             <a:avLst/>
           </a:prstGeom>
-          <a:effectLst>
-            <a:outerShdw blurRad="25400" dir="17880000">
-              <a:srgbClr val="000000">
-                <a:alpha val="46000"/>
-              </a:srgbClr>
-            </a:outerShdw>
-          </a:effectLst>
         </p:spPr>
         <p:txBody>
           <a:bodyPr vert="horz" lIns="91440" tIns="45720" rIns="91440" bIns="45720" rtlCol="0" anchor="ctr">
@@ -5248,22 +5063,15 @@
         </p:nvSpPr>
         <p:spPr>
           <a:xfrm>
-            <a:off x="913795" y="1732449"/>
-            <a:ext cx="10353762" cy="4058751"/>
+            <a:off x="913795" y="2096064"/>
+            <a:ext cx="10353762" cy="3695136"/>
           </a:xfrm>
           <a:prstGeom prst="rect">
             <a:avLst/>
           </a:prstGeom>
-          <a:effectLst>
-            <a:outerShdw blurRad="25400" dir="17880000">
-              <a:srgbClr val="000000">
-                <a:alpha val="46000"/>
-              </a:srgbClr>
-            </a:outerShdw>
-          </a:effectLst>
         </p:spPr>
         <p:txBody>
-          <a:bodyPr vert="horz" lIns="91440" tIns="45720" rIns="91440" bIns="45720" rtlCol="0" anchor="t">
+          <a:bodyPr vert="horz" lIns="91440" tIns="45720" rIns="91440" bIns="45720" rtlCol="0">
             <a:normAutofit/>
           </a:bodyPr>
           <a:lstStyle/>
@@ -5331,23 +5139,16 @@
               <a:defRPr sz="1000">
                 <a:solidFill>
                   <a:schemeClr val="tx1">
-                    <a:lumMod val="95000"/>
+                    <a:tint val="75000"/>
                   </a:schemeClr>
                 </a:solidFill>
-                <a:effectLst>
-                  <a:outerShdw blurRad="50800" dist="38100" dir="2700000" algn="tl" rotWithShape="0">
-                    <a:schemeClr val="bg1">
-                      <a:alpha val="43000"/>
-                    </a:schemeClr>
-                  </a:outerShdw>
-                </a:effectLst>
               </a:defRPr>
             </a:lvl1pPr>
           </a:lstStyle>
           <a:p>
             <a:fld id="{7D17AC76-8AAE-413F-8554-373E76674A05}" type="datetimeFigureOut">
               <a:rPr lang="pt-BR" smtClean="0"/>
-              <a:t>05/12/2023</a:t>
+              <a:t>06/12/2023</a:t>
             </a:fld>
             <a:endParaRPr lang="pt-BR"/>
           </a:p>
@@ -5365,7 +5166,7 @@
         </p:nvSpPr>
         <p:spPr>
           <a:xfrm>
-            <a:off x="913795" y="5883275"/>
+            <a:off x="913794" y="5883275"/>
             <a:ext cx="6672865" cy="365125"/>
           </a:xfrm>
           <a:prstGeom prst="rect">
@@ -5379,16 +5180,9 @@
               <a:defRPr sz="1000">
                 <a:solidFill>
                   <a:schemeClr val="tx1">
-                    <a:lumMod val="95000"/>
+                    <a:tint val="75000"/>
                   </a:schemeClr>
                 </a:solidFill>
-                <a:effectLst>
-                  <a:outerShdw blurRad="50800" dist="38100" dir="2700000" algn="tl" rotWithShape="0">
-                    <a:schemeClr val="bg1">
-                      <a:alpha val="43000"/>
-                    </a:schemeClr>
-                  </a:outerShdw>
-                </a:effectLst>
               </a:defRPr>
             </a:lvl1pPr>
           </a:lstStyle>
@@ -5423,16 +5217,9 @@
               <a:defRPr sz="1000">
                 <a:solidFill>
                   <a:schemeClr val="tx1">
-                    <a:lumMod val="95000"/>
+                    <a:tint val="75000"/>
                   </a:schemeClr>
                 </a:solidFill>
-                <a:effectLst>
-                  <a:outerShdw blurRad="50800" dist="38100" dir="2700000" algn="tl" rotWithShape="0">
-                    <a:schemeClr val="bg1">
-                      <a:alpha val="43000"/>
-                    </a:schemeClr>
-                  </a:outerShdw>
-                </a:effectLst>
               </a:defRPr>
             </a:lvl1pPr>
           </a:lstStyle>
@@ -5448,151 +5235,76 @@
     </p:spTree>
     <p:extLst>
       <p:ext uri="{BB962C8B-B14F-4D97-AF65-F5344CB8AC3E}">
-        <p14:creationId xmlns:p14="http://schemas.microsoft.com/office/powerpoint/2010/main" val="3607719641"/>
+        <p14:creationId xmlns:p14="http://schemas.microsoft.com/office/powerpoint/2010/main" val="3182196926"/>
       </p:ext>
     </p:extLst>
   </p:cSld>
   <p:clrMap bg1="dk1" tx1="lt1" bg2="dk2" tx2="lt2" accent1="accent1" accent2="accent2" accent3="accent3" accent4="accent4" accent5="accent5" accent6="accent6" hlink="hlink" folHlink="folHlink"/>
   <p:sldLayoutIdLst>
-    <p:sldLayoutId id="2147483661" r:id="rId1"/>
-    <p:sldLayoutId id="2147483662" r:id="rId2"/>
-    <p:sldLayoutId id="2147483663" r:id="rId3"/>
-    <p:sldLayoutId id="2147483664" r:id="rId4"/>
-    <p:sldLayoutId id="2147483665" r:id="rId5"/>
-    <p:sldLayoutId id="2147483666" r:id="rId6"/>
-    <p:sldLayoutId id="2147483667" r:id="rId7"/>
-    <p:sldLayoutId id="2147483668" r:id="rId8"/>
-    <p:sldLayoutId id="2147483669" r:id="rId9"/>
-    <p:sldLayoutId id="2147483670" r:id="rId10"/>
-    <p:sldLayoutId id="2147483671" r:id="rId11"/>
-    <p:sldLayoutId id="2147483672" r:id="rId12"/>
-    <p:sldLayoutId id="2147483673" r:id="rId13"/>
-    <p:sldLayoutId id="2147483674" r:id="rId14"/>
-    <p:sldLayoutId id="2147483675" r:id="rId15"/>
-    <p:sldLayoutId id="2147483676" r:id="rId16"/>
-    <p:sldLayoutId id="2147483677" r:id="rId17"/>
+    <p:sldLayoutId id="2147483679" r:id="rId1"/>
+    <p:sldLayoutId id="2147483680" r:id="rId2"/>
+    <p:sldLayoutId id="2147483681" r:id="rId3"/>
+    <p:sldLayoutId id="2147483682" r:id="rId4"/>
+    <p:sldLayoutId id="2147483683" r:id="rId5"/>
+    <p:sldLayoutId id="2147483684" r:id="rId6"/>
+    <p:sldLayoutId id="2147483685" r:id="rId7"/>
+    <p:sldLayoutId id="2147483686" r:id="rId8"/>
+    <p:sldLayoutId id="2147483687" r:id="rId9"/>
+    <p:sldLayoutId id="2147483688" r:id="rId10"/>
+    <p:sldLayoutId id="2147483689" r:id="rId11"/>
+    <p:sldLayoutId id="2147483690" r:id="rId12"/>
+    <p:sldLayoutId id="2147483691" r:id="rId13"/>
+    <p:sldLayoutId id="2147483692" r:id="rId14"/>
+    <p:sldLayoutId id="2147483693" r:id="rId15"/>
+    <p:sldLayoutId id="2147483694" r:id="rId16"/>
+    <p:sldLayoutId id="2147483695" r:id="rId17"/>
   </p:sldLayoutIdLst>
   <p:txStyles>
     <p:titleStyle>
-      <a:lvl1pPr algn="ctr" defTabSz="457200" rtl="0" eaLnBrk="1" latinLnBrk="0" hangingPunct="1">
+      <a:lvl1pPr algn="ctr" defTabSz="914400" rtl="0" eaLnBrk="1" latinLnBrk="0" hangingPunct="1">
+        <a:lnSpc>
+          <a:spcPct val="90000"/>
+        </a:lnSpc>
         <a:spcBef>
           <a:spcPct val="0"/>
         </a:spcBef>
         <a:buNone/>
-        <a:defRPr sz="4000" kern="1200">
-          <a:ln>
-            <a:solidFill>
-              <a:schemeClr val="bg1">
-                <a:lumMod val="75000"/>
-                <a:lumOff val="25000"/>
-                <a:alpha val="10000"/>
-              </a:schemeClr>
-            </a:solidFill>
-          </a:ln>
+        <a:defRPr sz="3400" b="1" i="0" kern="1200" cap="all">
           <a:solidFill>
-            <a:schemeClr val="tx2"/>
+            <a:schemeClr val="tx1"/>
           </a:solidFill>
           <a:effectLst>
-            <a:outerShdw blurRad="9525" dist="25400" dir="14640000" algn="tl" rotWithShape="0">
-              <a:schemeClr val="bg1">
-                <a:alpha val="30000"/>
-              </a:schemeClr>
+            <a:outerShdw blurRad="50800" dist="63500" dir="2700000" algn="tl" rotWithShape="0">
+              <a:srgbClr val="000000">
+                <a:alpha val="48000"/>
+              </a:srgbClr>
             </a:outerShdw>
           </a:effectLst>
           <a:latin typeface="+mj-lt"/>
           <a:ea typeface="+mj-ea"/>
-          <a:cs typeface="Trebuchet MS"/>
+          <a:cs typeface="+mj-cs"/>
         </a:defRPr>
       </a:lvl1pPr>
-      <a:lvl2pPr eaLnBrk="1" hangingPunct="1">
-        <a:defRPr>
-          <a:solidFill>
-            <a:schemeClr val="tx2"/>
-          </a:solidFill>
-        </a:defRPr>
-      </a:lvl2pPr>
-      <a:lvl3pPr eaLnBrk="1" hangingPunct="1">
-        <a:defRPr>
-          <a:solidFill>
-            <a:schemeClr val="tx2"/>
-          </a:solidFill>
-        </a:defRPr>
-      </a:lvl3pPr>
-      <a:lvl4pPr eaLnBrk="1" hangingPunct="1">
-        <a:defRPr>
-          <a:solidFill>
-            <a:schemeClr val="tx2"/>
-          </a:solidFill>
-        </a:defRPr>
-      </a:lvl4pPr>
-      <a:lvl5pPr eaLnBrk="1" hangingPunct="1">
-        <a:defRPr>
-          <a:solidFill>
-            <a:schemeClr val="tx2"/>
-          </a:solidFill>
-        </a:defRPr>
-      </a:lvl5pPr>
-      <a:lvl6pPr eaLnBrk="1" hangingPunct="1">
-        <a:defRPr>
-          <a:solidFill>
-            <a:schemeClr val="tx2"/>
-          </a:solidFill>
-        </a:defRPr>
-      </a:lvl6pPr>
-      <a:lvl7pPr eaLnBrk="1" hangingPunct="1">
-        <a:defRPr>
-          <a:solidFill>
-            <a:schemeClr val="tx2"/>
-          </a:solidFill>
-        </a:defRPr>
-      </a:lvl7pPr>
-      <a:lvl8pPr eaLnBrk="1" hangingPunct="1">
-        <a:defRPr>
-          <a:solidFill>
-            <a:schemeClr val="tx2"/>
-          </a:solidFill>
-        </a:defRPr>
-      </a:lvl8pPr>
-      <a:lvl9pPr eaLnBrk="1" hangingPunct="1">
-        <a:defRPr>
-          <a:solidFill>
-            <a:schemeClr val="tx2"/>
-          </a:solidFill>
-        </a:defRPr>
-      </a:lvl9pPr>
     </p:titleStyle>
     <p:bodyStyle>
-      <a:lvl1pPr marL="342900" indent="-306000" algn="l" defTabSz="457200" rtl="0" eaLnBrk="1" latinLnBrk="0" hangingPunct="1">
+      <a:lvl1pPr marL="228600" indent="-228600" algn="l" defTabSz="914400" rtl="0" eaLnBrk="1" latinLnBrk="0" hangingPunct="1">
+        <a:lnSpc>
+          <a:spcPct val="120000"/>
+        </a:lnSpc>
         <a:spcBef>
-          <a:spcPct val="20000"/>
+          <a:spcPts val="1000"/>
         </a:spcBef>
-        <a:spcAft>
-          <a:spcPts val="600"/>
-        </a:spcAft>
-        <a:buClr>
-          <a:schemeClr val="tx2"/>
-        </a:buClr>
-        <a:buSzPct val="70000"/>
-        <a:buFont typeface="Wingdings 2" charset="2"/>
-        <a:buChar char=""/>
+        <a:buFont typeface="Arial" panose="020B0604020202020204" pitchFamily="34" charset="0"/>
+        <a:buChar char="•"/>
         <a:defRPr sz="2000" kern="1200">
-          <a:ln>
-            <a:solidFill>
-              <a:schemeClr val="bg1">
-                <a:lumMod val="75000"/>
-                <a:lumOff val="25000"/>
-                <a:alpha val="10000"/>
-              </a:schemeClr>
-            </a:solidFill>
-          </a:ln>
           <a:solidFill>
-            <a:schemeClr val="tx2"/>
+            <a:schemeClr val="tx1"/>
           </a:solidFill>
           <a:effectLst>
-            <a:outerShdw blurRad="9525" dist="25400" dir="14640000" algn="tl" rotWithShape="0">
-              <a:schemeClr val="bg1">
-                <a:alpha val="30000"/>
-              </a:schemeClr>
+            <a:outerShdw blurRad="50800" dist="38100" dir="2700000" algn="tl" rotWithShape="0">
+              <a:srgbClr val="000000">
+                <a:alpha val="48000"/>
+              </a:srgbClr>
             </a:outerShdw>
           </a:effectLst>
           <a:latin typeface="+mn-lt"/>
@@ -5600,37 +5312,24 @@
           <a:cs typeface="+mn-cs"/>
         </a:defRPr>
       </a:lvl1pPr>
-      <a:lvl2pPr marL="720000" indent="-270000" algn="l" defTabSz="457200" rtl="0" eaLnBrk="1" latinLnBrk="0" hangingPunct="1">
+      <a:lvl2pPr marL="685800" indent="-228600" algn="l" defTabSz="914400" rtl="0" eaLnBrk="1" latinLnBrk="0" hangingPunct="1">
+        <a:lnSpc>
+          <a:spcPct val="120000"/>
+        </a:lnSpc>
         <a:spcBef>
-          <a:spcPct val="20000"/>
+          <a:spcPts val="500"/>
         </a:spcBef>
-        <a:spcAft>
-          <a:spcPts val="600"/>
-        </a:spcAft>
-        <a:buClr>
-          <a:schemeClr val="tx2"/>
-        </a:buClr>
-        <a:buSzPct val="70000"/>
-        <a:buFont typeface="Wingdings 2" charset="2"/>
-        <a:buChar char=""/>
+        <a:buFont typeface="Arial" panose="020B0604020202020204" pitchFamily="34" charset="0"/>
+        <a:buChar char="•"/>
         <a:defRPr sz="1800" kern="1200">
-          <a:ln>
-            <a:solidFill>
-              <a:schemeClr val="bg1">
-                <a:lumMod val="75000"/>
-                <a:lumOff val="25000"/>
-                <a:alpha val="10000"/>
-              </a:schemeClr>
-            </a:solidFill>
-          </a:ln>
           <a:solidFill>
-            <a:schemeClr val="tx2"/>
+            <a:schemeClr val="tx1"/>
           </a:solidFill>
           <a:effectLst>
-            <a:outerShdw blurRad="9525" dist="25400" dir="14640000" algn="tl" rotWithShape="0">
-              <a:schemeClr val="bg1">
-                <a:alpha val="30000"/>
-              </a:schemeClr>
+            <a:outerShdw blurRad="50800" dist="38100" dir="2700000" algn="tl" rotWithShape="0">
+              <a:srgbClr val="000000">
+                <a:alpha val="48000"/>
+              </a:srgbClr>
             </a:outerShdw>
           </a:effectLst>
           <a:latin typeface="+mn-lt"/>
@@ -5638,37 +5337,24 @@
           <a:cs typeface="+mn-cs"/>
         </a:defRPr>
       </a:lvl2pPr>
-      <a:lvl3pPr marL="1026000" indent="-216000" algn="l" defTabSz="457200" rtl="0" eaLnBrk="1" latinLnBrk="0" hangingPunct="1">
+      <a:lvl3pPr marL="1143000" indent="-228600" algn="l" defTabSz="914400" rtl="0" eaLnBrk="1" latinLnBrk="0" hangingPunct="1">
+        <a:lnSpc>
+          <a:spcPct val="120000"/>
+        </a:lnSpc>
         <a:spcBef>
-          <a:spcPct val="20000"/>
+          <a:spcPts val="500"/>
         </a:spcBef>
-        <a:spcAft>
-          <a:spcPts val="600"/>
-        </a:spcAft>
-        <a:buClr>
-          <a:schemeClr val="tx2"/>
-        </a:buClr>
-        <a:buSzPct val="70000"/>
-        <a:buFont typeface="Wingdings 2" charset="2"/>
-        <a:buChar char=""/>
+        <a:buFont typeface="Arial" panose="020B0604020202020204" pitchFamily="34" charset="0"/>
+        <a:buChar char="•"/>
         <a:defRPr sz="1600" kern="1200">
-          <a:ln>
-            <a:solidFill>
-              <a:schemeClr val="bg1">
-                <a:lumMod val="75000"/>
-                <a:lumOff val="25000"/>
-                <a:alpha val="10000"/>
-              </a:schemeClr>
-            </a:solidFill>
-          </a:ln>
           <a:solidFill>
-            <a:schemeClr val="tx2"/>
+            <a:schemeClr val="tx1"/>
           </a:solidFill>
           <a:effectLst>
-            <a:outerShdw blurRad="9525" dist="25400" dir="14640000" algn="tl" rotWithShape="0">
-              <a:schemeClr val="bg1">
-                <a:alpha val="30000"/>
-              </a:schemeClr>
+            <a:outerShdw blurRad="50800" dist="38100" dir="2700000" algn="tl" rotWithShape="0">
+              <a:srgbClr val="000000">
+                <a:alpha val="48000"/>
+              </a:srgbClr>
             </a:outerShdw>
           </a:effectLst>
           <a:latin typeface="+mn-lt"/>
@@ -5676,37 +5362,24 @@
           <a:cs typeface="+mn-cs"/>
         </a:defRPr>
       </a:lvl3pPr>
-      <a:lvl4pPr marL="1386000" indent="-216000" algn="l" defTabSz="457200" rtl="0" eaLnBrk="1" latinLnBrk="0" hangingPunct="1">
+      <a:lvl4pPr marL="1600200" indent="-228600" algn="l" defTabSz="914400" rtl="0" eaLnBrk="1" latinLnBrk="0" hangingPunct="1">
+        <a:lnSpc>
+          <a:spcPct val="120000"/>
+        </a:lnSpc>
         <a:spcBef>
-          <a:spcPct val="20000"/>
+          <a:spcPts val="500"/>
         </a:spcBef>
-        <a:spcAft>
-          <a:spcPts val="600"/>
-        </a:spcAft>
-        <a:buClr>
-          <a:schemeClr val="tx2"/>
-        </a:buClr>
-        <a:buSzPct val="70000"/>
-        <a:buFont typeface="Wingdings 2" charset="2"/>
-        <a:buChar char=""/>
+        <a:buFont typeface="Arial" panose="020B0604020202020204" pitchFamily="34" charset="0"/>
+        <a:buChar char="•"/>
         <a:defRPr sz="1400" kern="1200">
-          <a:ln>
-            <a:solidFill>
-              <a:schemeClr val="bg1">
-                <a:lumMod val="75000"/>
-                <a:lumOff val="25000"/>
-                <a:alpha val="10000"/>
-              </a:schemeClr>
-            </a:solidFill>
-          </a:ln>
           <a:solidFill>
-            <a:schemeClr val="tx2"/>
+            <a:schemeClr val="tx1"/>
           </a:solidFill>
           <a:effectLst>
-            <a:outerShdw blurRad="9525" dist="25400" dir="14640000" algn="tl" rotWithShape="0">
-              <a:schemeClr val="bg1">
-                <a:alpha val="30000"/>
-              </a:schemeClr>
+            <a:outerShdw blurRad="50800" dist="38100" dir="2700000" algn="tl" rotWithShape="0">
+              <a:srgbClr val="000000">
+                <a:alpha val="48000"/>
+              </a:srgbClr>
             </a:outerShdw>
           </a:effectLst>
           <a:latin typeface="+mn-lt"/>
@@ -5714,37 +5387,24 @@
           <a:cs typeface="+mn-cs"/>
         </a:defRPr>
       </a:lvl4pPr>
-      <a:lvl5pPr marL="1674000" indent="-216000" algn="l" defTabSz="457200" rtl="0" eaLnBrk="1" latinLnBrk="0" hangingPunct="1">
+      <a:lvl5pPr marL="2057400" indent="-228600" algn="l" defTabSz="914400" rtl="0" eaLnBrk="1" latinLnBrk="0" hangingPunct="1">
+        <a:lnSpc>
+          <a:spcPct val="120000"/>
+        </a:lnSpc>
         <a:spcBef>
-          <a:spcPct val="20000"/>
+          <a:spcPts val="500"/>
         </a:spcBef>
-        <a:spcAft>
-          <a:spcPts val="600"/>
-        </a:spcAft>
-        <a:buClr>
-          <a:schemeClr val="tx2"/>
-        </a:buClr>
-        <a:buSzPct val="70000"/>
-        <a:buFont typeface="Wingdings 2" charset="2"/>
-        <a:buChar char=""/>
-        <a:defRPr sz="1400" kern="1200">
-          <a:ln>
-            <a:solidFill>
-              <a:schemeClr val="bg1">
-                <a:lumMod val="75000"/>
-                <a:lumOff val="25000"/>
-                <a:alpha val="10000"/>
-              </a:schemeClr>
-            </a:solidFill>
-          </a:ln>
+        <a:buFont typeface="Arial" panose="020B0604020202020204" pitchFamily="34" charset="0"/>
+        <a:buChar char="•"/>
+        <a:defRPr sz="1200" kern="1200">
           <a:solidFill>
-            <a:schemeClr val="tx2"/>
+            <a:schemeClr val="tx1"/>
           </a:solidFill>
           <a:effectLst>
-            <a:outerShdw blurRad="9525" dist="25400" dir="14640000" algn="tl" rotWithShape="0">
-              <a:schemeClr val="bg1">
-                <a:alpha val="30000"/>
-              </a:schemeClr>
+            <a:outerShdw blurRad="50800" dist="38100" dir="2700000" algn="tl" rotWithShape="0">
+              <a:srgbClr val="000000">
+                <a:alpha val="48000"/>
+              </a:srgbClr>
             </a:outerShdw>
           </a:effectLst>
           <a:latin typeface="+mn-lt"/>
@@ -5752,37 +5412,24 @@
           <a:cs typeface="+mn-cs"/>
         </a:defRPr>
       </a:lvl5pPr>
-      <a:lvl6pPr marL="2014600" indent="-228600" algn="l" defTabSz="457200" rtl="0" eaLnBrk="1" latinLnBrk="0" hangingPunct="1">
+      <a:lvl6pPr marL="2514600" indent="-228600" algn="l" defTabSz="914400" rtl="0" eaLnBrk="1" latinLnBrk="0" hangingPunct="1">
+        <a:lnSpc>
+          <a:spcPct val="120000"/>
+        </a:lnSpc>
         <a:spcBef>
-          <a:spcPct val="20000"/>
+          <a:spcPts val="500"/>
         </a:spcBef>
-        <a:spcAft>
-          <a:spcPts val="600"/>
-        </a:spcAft>
-        <a:buClr>
-          <a:schemeClr val="tx2"/>
-        </a:buClr>
-        <a:buSzPct val="70000"/>
-        <a:buFont typeface="Wingdings 2" charset="2"/>
-        <a:buChar char=""/>
-        <a:defRPr sz="1400" kern="1200">
-          <a:ln>
-            <a:solidFill>
-              <a:schemeClr val="bg1">
-                <a:lumMod val="75000"/>
-                <a:lumOff val="25000"/>
-                <a:alpha val="10000"/>
-              </a:schemeClr>
-            </a:solidFill>
-          </a:ln>
+        <a:buFont typeface="Arial" panose="020B0604020202020204" pitchFamily="34" charset="0"/>
+        <a:buChar char="•"/>
+        <a:defRPr sz="1200" kern="1200">
           <a:solidFill>
-            <a:schemeClr val="tx2"/>
+            <a:schemeClr val="tx1"/>
           </a:solidFill>
           <a:effectLst>
-            <a:outerShdw blurRad="9525" dist="25400" dir="14640000" algn="tl" rotWithShape="0">
-              <a:schemeClr val="bg1">
-                <a:alpha val="30000"/>
-              </a:schemeClr>
+            <a:outerShdw blurRad="50800" dist="38100" dir="2700000" algn="tl" rotWithShape="0">
+              <a:srgbClr val="000000">
+                <a:alpha val="48000"/>
+              </a:srgbClr>
             </a:outerShdw>
           </a:effectLst>
           <a:latin typeface="+mn-lt"/>
@@ -5790,37 +5437,24 @@
           <a:cs typeface="+mn-cs"/>
         </a:defRPr>
       </a:lvl6pPr>
-      <a:lvl7pPr marL="2401800" indent="-228600" algn="l" defTabSz="457200" rtl="0" eaLnBrk="1" latinLnBrk="0" hangingPunct="1">
+      <a:lvl7pPr marL="2971800" indent="-228600" algn="l" defTabSz="914400" rtl="0" eaLnBrk="1" latinLnBrk="0" hangingPunct="1">
+        <a:lnSpc>
+          <a:spcPct val="120000"/>
+        </a:lnSpc>
         <a:spcBef>
-          <a:spcPct val="20000"/>
+          <a:spcPts val="500"/>
         </a:spcBef>
-        <a:spcAft>
-          <a:spcPts val="600"/>
-        </a:spcAft>
-        <a:buClr>
-          <a:schemeClr val="tx2"/>
-        </a:buClr>
-        <a:buSzPct val="70000"/>
-        <a:buFont typeface="Wingdings 2" charset="2"/>
-        <a:buChar char=""/>
-        <a:defRPr sz="1400" kern="1200">
-          <a:ln>
-            <a:solidFill>
-              <a:schemeClr val="bg1">
-                <a:lumMod val="75000"/>
-                <a:lumOff val="25000"/>
-                <a:alpha val="10000"/>
-              </a:schemeClr>
-            </a:solidFill>
-          </a:ln>
+        <a:buFont typeface="Arial" panose="020B0604020202020204" pitchFamily="34" charset="0"/>
+        <a:buChar char="•"/>
+        <a:defRPr sz="1200" kern="1200">
           <a:solidFill>
-            <a:schemeClr val="tx2"/>
+            <a:schemeClr val="tx1"/>
           </a:solidFill>
           <a:effectLst>
-            <a:outerShdw blurRad="9525" dist="25400" dir="14640000" algn="tl" rotWithShape="0">
-              <a:schemeClr val="bg1">
-                <a:alpha val="30000"/>
-              </a:schemeClr>
+            <a:outerShdw blurRad="50800" dist="38100" dir="2700000" algn="tl" rotWithShape="0">
+              <a:srgbClr val="000000">
+                <a:alpha val="48000"/>
+              </a:srgbClr>
             </a:outerShdw>
           </a:effectLst>
           <a:latin typeface="+mn-lt"/>
@@ -5828,37 +5462,24 @@
           <a:cs typeface="+mn-cs"/>
         </a:defRPr>
       </a:lvl7pPr>
-      <a:lvl8pPr marL="2789000" indent="-228600" algn="l" defTabSz="457200" rtl="0" eaLnBrk="1" latinLnBrk="0" hangingPunct="1">
+      <a:lvl8pPr marL="3429000" indent="-228600" algn="l" defTabSz="914400" rtl="0" eaLnBrk="1" latinLnBrk="0" hangingPunct="1">
+        <a:lnSpc>
+          <a:spcPct val="120000"/>
+        </a:lnSpc>
         <a:spcBef>
-          <a:spcPct val="20000"/>
+          <a:spcPts val="500"/>
         </a:spcBef>
-        <a:spcAft>
-          <a:spcPts val="600"/>
-        </a:spcAft>
-        <a:buClr>
-          <a:schemeClr val="tx2"/>
-        </a:buClr>
-        <a:buSzPct val="70000"/>
-        <a:buFont typeface="Wingdings 2" charset="2"/>
-        <a:buChar char=""/>
-        <a:defRPr sz="1400" kern="1200">
-          <a:ln>
-            <a:solidFill>
-              <a:schemeClr val="bg1">
-                <a:lumMod val="75000"/>
-                <a:lumOff val="25000"/>
-                <a:alpha val="10000"/>
-              </a:schemeClr>
-            </a:solidFill>
-          </a:ln>
+        <a:buFont typeface="Arial" panose="020B0604020202020204" pitchFamily="34" charset="0"/>
+        <a:buChar char="•"/>
+        <a:defRPr sz="1200" kern="1200">
           <a:solidFill>
-            <a:schemeClr val="tx2"/>
+            <a:schemeClr val="tx1"/>
           </a:solidFill>
           <a:effectLst>
-            <a:outerShdw blurRad="9525" dist="25400" dir="14640000" algn="tl" rotWithShape="0">
-              <a:schemeClr val="bg1">
-                <a:alpha val="30000"/>
-              </a:schemeClr>
+            <a:outerShdw blurRad="50800" dist="38100" dir="2700000" algn="tl" rotWithShape="0">
+              <a:srgbClr val="000000">
+                <a:alpha val="48000"/>
+              </a:srgbClr>
             </a:outerShdw>
           </a:effectLst>
           <a:latin typeface="+mn-lt"/>
@@ -5866,37 +5487,24 @@
           <a:cs typeface="+mn-cs"/>
         </a:defRPr>
       </a:lvl8pPr>
-      <a:lvl9pPr marL="3106200" indent="-228600" algn="l" defTabSz="457200" rtl="0" eaLnBrk="1" latinLnBrk="0" hangingPunct="1">
+      <a:lvl9pPr marL="3886200" indent="-228600" algn="l" defTabSz="914400" rtl="0" eaLnBrk="1" latinLnBrk="0" hangingPunct="1">
+        <a:lnSpc>
+          <a:spcPct val="120000"/>
+        </a:lnSpc>
         <a:spcBef>
-          <a:spcPct val="20000"/>
+          <a:spcPts val="500"/>
         </a:spcBef>
-        <a:spcAft>
-          <a:spcPts val="600"/>
-        </a:spcAft>
-        <a:buClr>
-          <a:schemeClr val="tx2"/>
-        </a:buClr>
-        <a:buSzPct val="70000"/>
-        <a:buFont typeface="Wingdings 2" charset="2"/>
-        <a:buChar char=""/>
-        <a:defRPr sz="1400" kern="1200">
-          <a:ln>
-            <a:solidFill>
-              <a:schemeClr val="bg1">
-                <a:lumMod val="75000"/>
-                <a:lumOff val="25000"/>
-                <a:alpha val="10000"/>
-              </a:schemeClr>
-            </a:solidFill>
-          </a:ln>
+        <a:buFont typeface="Arial" panose="020B0604020202020204" pitchFamily="34" charset="0"/>
+        <a:buChar char="•"/>
+        <a:defRPr sz="1200" kern="1200">
           <a:solidFill>
-            <a:schemeClr val="tx2"/>
+            <a:schemeClr val="tx1"/>
           </a:solidFill>
           <a:effectLst>
-            <a:outerShdw blurRad="9525" dist="25400" dir="14640000" algn="tl" rotWithShape="0">
-              <a:schemeClr val="bg1">
-                <a:alpha val="30000"/>
-              </a:schemeClr>
+            <a:outerShdw blurRad="50800" dist="38100" dir="2700000" algn="tl" rotWithShape="0">
+              <a:srgbClr val="000000">
+                <a:alpha val="48000"/>
+              </a:srgbClr>
             </a:outerShdw>
           </a:effectLst>
           <a:latin typeface="+mn-lt"/>
@@ -5909,7 +5517,7 @@
       <a:defPPr>
         <a:defRPr lang="en-US"/>
       </a:defPPr>
-      <a:lvl1pPr marL="0" algn="l" defTabSz="457200" rtl="0" eaLnBrk="1" latinLnBrk="0" hangingPunct="1">
+      <a:lvl1pPr marL="0" algn="l" defTabSz="914400" rtl="0" eaLnBrk="1" latinLnBrk="0" hangingPunct="1">
         <a:defRPr sz="1800" kern="1200">
           <a:solidFill>
             <a:schemeClr val="tx1"/>
@@ -5919,7 +5527,7 @@
           <a:cs typeface="+mn-cs"/>
         </a:defRPr>
       </a:lvl1pPr>
-      <a:lvl2pPr marL="457200" algn="l" defTabSz="457200" rtl="0" eaLnBrk="1" latinLnBrk="0" hangingPunct="1">
+      <a:lvl2pPr marL="457200" algn="l" defTabSz="914400" rtl="0" eaLnBrk="1" latinLnBrk="0" hangingPunct="1">
         <a:defRPr sz="1800" kern="1200">
           <a:solidFill>
             <a:schemeClr val="tx1"/>
@@ -5929,7 +5537,7 @@
           <a:cs typeface="+mn-cs"/>
         </a:defRPr>
       </a:lvl2pPr>
-      <a:lvl3pPr marL="914400" algn="l" defTabSz="457200" rtl="0" eaLnBrk="1" latinLnBrk="0" hangingPunct="1">
+      <a:lvl3pPr marL="914400" algn="l" defTabSz="914400" rtl="0" eaLnBrk="1" latinLnBrk="0" hangingPunct="1">
         <a:defRPr sz="1800" kern="1200">
           <a:solidFill>
             <a:schemeClr val="tx1"/>
@@ -5939,7 +5547,7 @@
           <a:cs typeface="+mn-cs"/>
         </a:defRPr>
       </a:lvl3pPr>
-      <a:lvl4pPr marL="1371600" algn="l" defTabSz="457200" rtl="0" eaLnBrk="1" latinLnBrk="0" hangingPunct="1">
+      <a:lvl4pPr marL="1371600" algn="l" defTabSz="914400" rtl="0" eaLnBrk="1" latinLnBrk="0" hangingPunct="1">
         <a:defRPr sz="1800" kern="1200">
           <a:solidFill>
             <a:schemeClr val="tx1"/>
@@ -5949,7 +5557,7 @@
           <a:cs typeface="+mn-cs"/>
         </a:defRPr>
       </a:lvl4pPr>
-      <a:lvl5pPr marL="1828800" algn="l" defTabSz="457200" rtl="0" eaLnBrk="1" latinLnBrk="0" hangingPunct="1">
+      <a:lvl5pPr marL="1828800" algn="l" defTabSz="914400" rtl="0" eaLnBrk="1" latinLnBrk="0" hangingPunct="1">
         <a:defRPr sz="1800" kern="1200">
           <a:solidFill>
             <a:schemeClr val="tx1"/>
@@ -5959,7 +5567,7 @@
           <a:cs typeface="+mn-cs"/>
         </a:defRPr>
       </a:lvl5pPr>
-      <a:lvl6pPr marL="2286000" algn="l" defTabSz="457200" rtl="0" eaLnBrk="1" latinLnBrk="0" hangingPunct="1">
+      <a:lvl6pPr marL="2286000" algn="l" defTabSz="914400" rtl="0" eaLnBrk="1" latinLnBrk="0" hangingPunct="1">
         <a:defRPr sz="1800" kern="1200">
           <a:solidFill>
             <a:schemeClr val="tx1"/>
@@ -5969,7 +5577,7 @@
           <a:cs typeface="+mn-cs"/>
         </a:defRPr>
       </a:lvl6pPr>
-      <a:lvl7pPr marL="2743200" algn="l" defTabSz="457200" rtl="0" eaLnBrk="1" latinLnBrk="0" hangingPunct="1">
+      <a:lvl7pPr marL="2743200" algn="l" defTabSz="914400" rtl="0" eaLnBrk="1" latinLnBrk="0" hangingPunct="1">
         <a:defRPr sz="1800" kern="1200">
           <a:solidFill>
             <a:schemeClr val="tx1"/>
@@ -5979,7 +5587,7 @@
           <a:cs typeface="+mn-cs"/>
         </a:defRPr>
       </a:lvl7pPr>
-      <a:lvl8pPr marL="3200400" algn="l" defTabSz="457200" rtl="0" eaLnBrk="1" latinLnBrk="0" hangingPunct="1">
+      <a:lvl8pPr marL="3200400" algn="l" defTabSz="914400" rtl="0" eaLnBrk="1" latinLnBrk="0" hangingPunct="1">
         <a:defRPr sz="1800" kern="1200">
           <a:solidFill>
             <a:schemeClr val="tx1"/>
@@ -5989,7 +5597,7 @@
           <a:cs typeface="+mn-cs"/>
         </a:defRPr>
       </a:lvl8pPr>
-      <a:lvl9pPr marL="3657600" algn="l" defTabSz="457200" rtl="0" eaLnBrk="1" latinLnBrk="0" hangingPunct="1">
+      <a:lvl9pPr marL="3657600" algn="l" defTabSz="914400" rtl="0" eaLnBrk="1" latinLnBrk="0" hangingPunct="1">
         <a:defRPr sz="1800" kern="1200">
           <a:solidFill>
             <a:schemeClr val="tx1"/>
@@ -6326,7 +5934,7 @@
         <p:spPr/>
         <p:txBody>
           <a:bodyPr>
-            <a:normAutofit/>
+            <a:normAutofit fontScale="92500" lnSpcReduction="20000"/>
           </a:bodyPr>
           <a:lstStyle/>
           <a:p>
@@ -6348,8 +5956,8 @@
             <a:r>
               <a:rPr lang="pt-BR" sz="2400" b="1" i="0" dirty="0">
                 <a:solidFill>
-                  <a:schemeClr val="tx2">
-                    <a:lumMod val="50000"/>
+                  <a:schemeClr val="tx1">
+                    <a:lumMod val="95000"/>
                   </a:schemeClr>
                 </a:solidFill>
                 <a:effectLst/>
@@ -6362,8 +5970,8 @@
             <a:r>
               <a:rPr lang="pt-BR" sz="2400" b="1" i="0" dirty="0">
                 <a:solidFill>
-                  <a:schemeClr val="tx2">
-                    <a:lumMod val="50000"/>
+                  <a:schemeClr val="tx1">
+                    <a:lumMod val="95000"/>
                   </a:schemeClr>
                 </a:solidFill>
                 <a:effectLst/>
@@ -6376,8 +5984,8 @@
             <a:r>
               <a:rPr lang="pt-BR" sz="2400" b="1" i="0" dirty="0">
                 <a:solidFill>
-                  <a:schemeClr val="tx2">
-                    <a:lumMod val="50000"/>
+                  <a:schemeClr val="tx1">
+                    <a:lumMod val="95000"/>
                   </a:schemeClr>
                 </a:solidFill>
                 <a:effectLst/>
@@ -6390,8 +5998,8 @@
             <a:r>
               <a:rPr lang="pt-BR" sz="2400" b="1" i="0" dirty="0">
                 <a:solidFill>
-                  <a:schemeClr val="tx2">
-                    <a:lumMod val="50000"/>
+                  <a:schemeClr val="tx1">
+                    <a:lumMod val="95000"/>
                   </a:schemeClr>
                 </a:solidFill>
                 <a:effectLst/>
@@ -6401,8 +6009,8 @@
             </a:r>
             <a:endParaRPr lang="pt-BR" sz="2800" dirty="0">
               <a:solidFill>
-                <a:schemeClr val="tx2">
-                  <a:lumMod val="50000"/>
+                <a:schemeClr val="tx1">
+                  <a:lumMod val="95000"/>
                 </a:schemeClr>
               </a:solidFill>
             </a:endParaRPr>
@@ -6505,7 +6113,7 @@
         <p:spPr/>
         <p:txBody>
           <a:bodyPr>
-            <a:normAutofit/>
+            <a:normAutofit fontScale="92500" lnSpcReduction="20000"/>
           </a:bodyPr>
           <a:lstStyle/>
           <a:p>
@@ -6527,8 +6135,8 @@
             <a:r>
               <a:rPr lang="pt-BR" sz="2400" b="1" i="0" dirty="0">
                 <a:solidFill>
-                  <a:schemeClr val="tx2">
-                    <a:lumMod val="50000"/>
+                  <a:schemeClr val="tx1">
+                    <a:lumMod val="95000"/>
                   </a:schemeClr>
                 </a:solidFill>
                 <a:effectLst/>
@@ -6541,8 +6149,8 @@
             <a:r>
               <a:rPr lang="pt-BR" sz="2400" b="1" i="0" dirty="0">
                 <a:solidFill>
-                  <a:schemeClr val="tx2">
-                    <a:lumMod val="50000"/>
+                  <a:schemeClr val="tx1">
+                    <a:lumMod val="95000"/>
                   </a:schemeClr>
                 </a:solidFill>
                 <a:effectLst/>
@@ -6555,8 +6163,8 @@
             <a:r>
               <a:rPr lang="pt-BR" sz="2400" b="1" i="0" dirty="0">
                 <a:solidFill>
-                  <a:schemeClr val="tx2">
-                    <a:lumMod val="50000"/>
+                  <a:schemeClr val="tx1">
+                    <a:lumMod val="95000"/>
                   </a:schemeClr>
                 </a:solidFill>
                 <a:effectLst/>
@@ -6566,8 +6174,8 @@
             </a:r>
             <a:endParaRPr lang="pt-BR" sz="2400" b="1" dirty="0">
               <a:solidFill>
-                <a:schemeClr val="tx2">
-                  <a:lumMod val="50000"/>
+                <a:schemeClr val="tx1">
+                  <a:lumMod val="95000"/>
                 </a:schemeClr>
               </a:solidFill>
               <a:effectLst/>
@@ -6578,8 +6186,8 @@
             <a:r>
               <a:rPr lang="pt-BR" sz="2400" b="1" i="0" dirty="0">
                 <a:solidFill>
-                  <a:schemeClr val="tx2">
-                    <a:lumMod val="50000"/>
+                  <a:schemeClr val="tx1">
+                    <a:lumMod val="95000"/>
                   </a:schemeClr>
                 </a:solidFill>
                 <a:effectLst/>
@@ -6589,8 +6197,8 @@
             </a:r>
             <a:endParaRPr lang="pt-BR" sz="2400" b="0" i="0" dirty="0">
               <a:solidFill>
-                <a:schemeClr val="tx2">
-                  <a:lumMod val="50000"/>
+                <a:schemeClr val="tx1">
+                  <a:lumMod val="95000"/>
                 </a:schemeClr>
               </a:solidFill>
               <a:effectLst/>
@@ -6704,8 +6312,8 @@
         </p:blipFill>
         <p:spPr>
           <a:xfrm>
-            <a:off x="1519311" y="1731963"/>
-            <a:ext cx="9186203" cy="4711040"/>
+            <a:off x="3405509" y="2095500"/>
+            <a:ext cx="5371456" cy="3695700"/>
           </a:xfrm>
         </p:spPr>
       </p:pic>
@@ -6823,7 +6431,7 @@
         <p:spPr/>
         <p:txBody>
           <a:bodyPr>
-            <a:normAutofit fontScale="90000"/>
+            <a:normAutofit/>
           </a:bodyPr>
           <a:lstStyle/>
           <a:p>
@@ -6860,7 +6468,7 @@
         <p:spPr/>
         <p:txBody>
           <a:bodyPr>
-            <a:normAutofit fontScale="92500" lnSpcReduction="20000"/>
+            <a:normAutofit fontScale="77500" lnSpcReduction="20000"/>
           </a:bodyPr>
           <a:lstStyle/>
           <a:p>
@@ -6887,8 +6495,8 @@
             <a:r>
               <a:rPr lang="pt-BR" sz="2200" b="0" i="0" dirty="0">
                 <a:solidFill>
-                  <a:schemeClr val="tx2">
-                    <a:lumMod val="50000"/>
+                  <a:schemeClr val="tx1">
+                    <a:lumMod val="95000"/>
                   </a:schemeClr>
                 </a:solidFill>
                 <a:effectLst/>
@@ -6944,8 +6552,8 @@
             <a:r>
               <a:rPr lang="pt-BR" sz="2200" b="0" i="0" dirty="0">
                 <a:solidFill>
-                  <a:schemeClr val="tx2">
-                    <a:lumMod val="50000"/>
+                  <a:schemeClr val="tx1">
+                    <a:lumMod val="95000"/>
                   </a:schemeClr>
                 </a:solidFill>
                 <a:effectLst/>
@@ -6956,8 +6564,8 @@
             <a:r>
               <a:rPr lang="pt-BR" sz="2200" b="0" i="0" dirty="0" err="1">
                 <a:solidFill>
-                  <a:schemeClr val="tx2">
-                    <a:lumMod val="50000"/>
+                  <a:schemeClr val="tx1">
+                    <a:lumMod val="95000"/>
                   </a:schemeClr>
                 </a:solidFill>
                 <a:effectLst/>
@@ -6968,8 +6576,8 @@
             <a:r>
               <a:rPr lang="pt-BR" sz="2200" b="0" i="0" dirty="0">
                 <a:solidFill>
-                  <a:schemeClr val="tx2">
-                    <a:lumMod val="50000"/>
+                  <a:schemeClr val="tx1">
+                    <a:lumMod val="95000"/>
                   </a:schemeClr>
                 </a:solidFill>
                 <a:effectLst/>
@@ -7002,8 +6610,8 @@
             <a:r>
               <a:rPr lang="pt-BR" sz="2200" b="0" i="0" dirty="0">
                 <a:solidFill>
-                  <a:schemeClr val="tx2">
-                    <a:lumMod val="50000"/>
+                  <a:schemeClr val="tx1">
+                    <a:lumMod val="95000"/>
                   </a:schemeClr>
                 </a:solidFill>
                 <a:effectLst/>
@@ -7114,7 +6722,7 @@
         <p:spPr/>
         <p:txBody>
           <a:bodyPr>
-            <a:normAutofit fontScale="90000"/>
+            <a:normAutofit/>
           </a:bodyPr>
           <a:lstStyle/>
           <a:p>
@@ -7152,7 +6760,7 @@
         <p:spPr/>
         <p:txBody>
           <a:bodyPr>
-            <a:normAutofit lnSpcReduction="10000"/>
+            <a:normAutofit fontScale="85000" lnSpcReduction="10000"/>
           </a:bodyPr>
           <a:lstStyle/>
           <a:p>
@@ -7179,8 +6787,8 @@
             <a:r>
               <a:rPr lang="pt-BR" i="0" dirty="0">
                 <a:solidFill>
-                  <a:schemeClr val="tx2">
-                    <a:lumMod val="50000"/>
+                  <a:schemeClr val="tx1">
+                    <a:lumMod val="95000"/>
                   </a:schemeClr>
                 </a:solidFill>
                 <a:effectLst/>
@@ -7213,8 +6821,8 @@
             <a:r>
               <a:rPr lang="pt-BR" i="0" dirty="0">
                 <a:solidFill>
-                  <a:schemeClr val="tx2">
-                    <a:lumMod val="50000"/>
+                  <a:schemeClr val="tx1">
+                    <a:lumMod val="95000"/>
                   </a:schemeClr>
                 </a:solidFill>
                 <a:effectLst/>
@@ -7224,8 +6832,8 @@
             </a:r>
             <a:endParaRPr lang="pt-BR" sz="2800" i="0" dirty="0">
               <a:solidFill>
-                <a:schemeClr val="tx2">
-                  <a:lumMod val="50000"/>
+                <a:schemeClr val="tx1">
+                  <a:lumMod val="95000"/>
                 </a:schemeClr>
               </a:solidFill>
               <a:effectLst/>
@@ -7256,8 +6864,8 @@
             <a:r>
               <a:rPr lang="pt-BR" i="0" dirty="0">
                 <a:solidFill>
-                  <a:schemeClr val="tx2">
-                    <a:lumMod val="50000"/>
+                  <a:schemeClr val="tx1">
+                    <a:lumMod val="95000"/>
                   </a:schemeClr>
                 </a:solidFill>
                 <a:effectLst/>
@@ -7396,11 +7004,6 @@
             </a:br>
             <a:r>
               <a:rPr lang="pt-BR" sz="2400" b="0" i="0" dirty="0">
-                <a:solidFill>
-                  <a:schemeClr val="tx2">
-                    <a:lumMod val="50000"/>
-                  </a:schemeClr>
-                </a:solidFill>
                 <a:effectLst/>
                 <a:latin typeface="Söhne"/>
               </a:rPr>
@@ -7408,11 +7011,6 @@
             </a:r>
             <a:r>
               <a:rPr lang="pt-BR" sz="2400" b="0" i="0" dirty="0" err="1">
-                <a:solidFill>
-                  <a:schemeClr val="tx2">
-                    <a:lumMod val="50000"/>
-                  </a:schemeClr>
-                </a:solidFill>
                 <a:effectLst/>
                 <a:latin typeface="Söhne"/>
               </a:rPr>
@@ -7420,11 +7018,6 @@
             </a:r>
             <a:r>
               <a:rPr lang="pt-BR" sz="2400" b="0" i="0" dirty="0">
-                <a:solidFill>
-                  <a:schemeClr val="tx2">
-                    <a:lumMod val="50000"/>
-                  </a:schemeClr>
-                </a:solidFill>
                 <a:effectLst/>
                 <a:latin typeface="Söhne"/>
               </a:rPr>
@@ -7434,23 +7027,12 @@
           <a:p>
             <a:r>
               <a:rPr lang="pt-BR" sz="2400" dirty="0">
-                <a:solidFill>
-                  <a:schemeClr val="tx2">
-                    <a:lumMod val="50000"/>
-                  </a:schemeClr>
-                </a:solidFill>
                 <a:effectLst/>
                 <a:latin typeface="Söhne"/>
               </a:rPr>
               <a:t>Obrigado professor e turma pela atenção.</a:t>
             </a:r>
-            <a:endParaRPr lang="pt-BR" sz="2400" dirty="0">
-              <a:solidFill>
-                <a:schemeClr val="tx2">
-                  <a:lumMod val="50000"/>
-                </a:schemeClr>
-              </a:solidFill>
-            </a:endParaRPr>
+            <a:endParaRPr lang="pt-BR" sz="2400" dirty="0"/>
           </a:p>
         </p:txBody>
       </p:sp>
@@ -7468,9 +7050,9 @@
 </file>
 
 <file path=ppt/theme/theme1.xml><?xml version="1.0" encoding="utf-8"?>
-<a:theme xmlns:a="http://schemas.openxmlformats.org/drawingml/2006/main" name="Ardósia">
+<a:theme xmlns:a="http://schemas.openxmlformats.org/drawingml/2006/main" name="Damask">
   <a:themeElements>
-    <a:clrScheme name="Ardósia">
+    <a:clrScheme name="Damask">
       <a:dk1>
         <a:sysClr val="windowText" lastClr="000000"/>
       </a:dk1>
@@ -7478,52 +7060,52 @@
         <a:sysClr val="window" lastClr="FFFFFF"/>
       </a:lt1>
       <a:dk2>
-        <a:srgbClr val="212123"/>
+        <a:srgbClr val="2A5B7F"/>
       </a:dk2>
       <a:lt2>
-        <a:srgbClr val="DADADA"/>
+        <a:srgbClr val="ABDAFC"/>
       </a:lt2>
       <a:accent1>
-        <a:srgbClr val="BC451B"/>
+        <a:srgbClr val="9EC544"/>
       </a:accent1>
       <a:accent2>
-        <a:srgbClr val="D3BA68"/>
+        <a:srgbClr val="50BEA3"/>
       </a:accent2>
       <a:accent3>
-        <a:srgbClr val="BB8640"/>
+        <a:srgbClr val="4A9CCC"/>
       </a:accent3>
       <a:accent4>
-        <a:srgbClr val="AD9277"/>
+        <a:srgbClr val="9A66CA"/>
       </a:accent4>
       <a:accent5>
-        <a:srgbClr val="A55A43"/>
+        <a:srgbClr val="C54F71"/>
       </a:accent5>
       <a:accent6>
-        <a:srgbClr val="AD9D7B"/>
+        <a:srgbClr val="DE9C3C"/>
       </a:accent6>
       <a:hlink>
-        <a:srgbClr val="E98052"/>
+        <a:srgbClr val="6BA9DA"/>
       </a:hlink>
       <a:folHlink>
-        <a:srgbClr val="F4B69B"/>
+        <a:srgbClr val="A0BCD3"/>
       </a:folHlink>
     </a:clrScheme>
-    <a:fontScheme name="Ardósia">
+    <a:fontScheme name="Damask">
       <a:majorFont>
-        <a:latin typeface="Calisto MT" panose="02040603050505030304"/>
+        <a:latin typeface="Bookman Old Style" panose="02050604050505020204"/>
         <a:ea typeface=""/>
         <a:cs typeface=""/>
         <a:font script="Jpan" typeface="ＭＳ Ｐゴシック"/>
-        <a:font script="Hang" typeface="돋움"/>
-        <a:font script="Hans" typeface="方正舒体"/>
-        <a:font script="Hant" typeface="微軟正黑體"/>
-        <a:font script="Arab" typeface="Arial"/>
-        <a:font script="Hebr" typeface="Arial"/>
-        <a:font script="Thai" typeface="Cordia New"/>
+        <a:font script="Hang" typeface="맑은 고딕"/>
+        <a:font script="Hans" typeface="宋体"/>
+        <a:font script="Hant" typeface="新細明體"/>
+        <a:font script="Arab" typeface="Times New Roman"/>
+        <a:font script="Hebr" typeface="Times New Roman"/>
+        <a:font script="Thai" typeface="Angsana New"/>
         <a:font script="Ethi" typeface="Nyala"/>
         <a:font script="Beng" typeface="Vrinda"/>
         <a:font script="Gujr" typeface="Shruti"/>
-        <a:font script="Khmr" typeface="DaunPenh"/>
+        <a:font script="Khmr" typeface="MoolBoran"/>
         <a:font script="Knda" typeface="Tunga"/>
         <a:font script="Guru" typeface="Raavi"/>
         <a:font script="Cans" typeface="Euphemia"/>
@@ -7540,18 +7122,18 @@
         <a:font script="Laoo" typeface="DokChampa"/>
         <a:font script="Sinh" typeface="Iskoola Pota"/>
         <a:font script="Mong" typeface="Mongolian Baiti"/>
-        <a:font script="Viet" typeface="Arial"/>
+        <a:font script="Viet" typeface="Times New Roman"/>
         <a:font script="Uigh" typeface="Microsoft Uighur"/>
         <a:font script="Geor" typeface="Sylfaen"/>
       </a:majorFont>
       <a:minorFont>
-        <a:latin typeface="Calisto MT" panose="02040603050505030304"/>
+        <a:latin typeface="Rockwell" panose="02060603020205020403"/>
         <a:ea typeface=""/>
         <a:cs typeface=""/>
         <a:font script="Jpan" typeface="ＭＳ Ｐゴシック"/>
-        <a:font script="Hang" typeface="돋움"/>
-        <a:font script="Hans" typeface="方正舒体"/>
-        <a:font script="Hant" typeface="微軟正黑體"/>
+        <a:font script="Hang" typeface="맑은 고딕"/>
+        <a:font script="Hans" typeface="宋体"/>
+        <a:font script="Hant" typeface="新細明體"/>
         <a:font script="Arab" typeface="Arial"/>
         <a:font script="Hebr" typeface="Arial"/>
         <a:font script="Thai" typeface="Cordia New"/>
@@ -7580,7 +7162,7 @@
         <a:font script="Geor" typeface="Sylfaen"/>
       </a:minorFont>
     </a:fontScheme>
-    <a:fmtScheme name="Ardósia">
+    <a:fmtScheme name="Damask">
       <a:fillStyleLst>
         <a:solidFill>
           <a:schemeClr val="phClr"/>
@@ -7589,13 +7171,16 @@
           <a:gsLst>
             <a:gs pos="0">
               <a:schemeClr val="phClr">
-                <a:tint val="60000"/>
+                <a:tint val="48000"/>
+                <a:satMod val="105000"/>
                 <a:lumMod val="110000"/>
               </a:schemeClr>
             </a:gs>
             <a:gs pos="100000">
               <a:schemeClr val="phClr">
-                <a:tint val="88000"/>
+                <a:tint val="78000"/>
+                <a:satMod val="109000"/>
+                <a:lumMod val="100000"/>
               </a:schemeClr>
             </a:gs>
           </a:gsLst>
@@ -7605,14 +7190,23 @@
           <a:gsLst>
             <a:gs pos="0">
               <a:schemeClr val="phClr">
-                <a:tint val="96000"/>
+                <a:tint val="94000"/>
+                <a:satMod val="100000"/>
                 <a:lumMod val="104000"/>
+              </a:schemeClr>
+            </a:gs>
+            <a:gs pos="69000">
+              <a:schemeClr val="phClr">
+                <a:shade val="86000"/>
+                <a:satMod val="130000"/>
+                <a:lumMod val="102000"/>
               </a:schemeClr>
             </a:gs>
             <a:gs pos="100000">
               <a:schemeClr val="phClr">
-                <a:shade val="90000"/>
-                <a:lumMod val="90000"/>
+                <a:shade val="72000"/>
+                <a:satMod val="130000"/>
+                <a:lumMod val="100000"/>
               </a:schemeClr>
             </a:gs>
           </a:gsLst>
@@ -7620,21 +7214,19 @@
         </a:gradFill>
       </a:fillStyleLst>
       <a:lnStyleLst>
-        <a:ln w="9525" cap="rnd" cmpd="sng" algn="ctr">
-          <a:solidFill>
-            <a:schemeClr val="phClr">
-              <a:shade val="90000"/>
-            </a:schemeClr>
-          </a:solidFill>
-          <a:prstDash val="solid"/>
-        </a:ln>
-        <a:ln w="15875" cap="rnd" cmpd="sng" algn="ctr">
+        <a:ln w="12700" cap="flat" cmpd="sng" algn="ctr">
           <a:solidFill>
             <a:schemeClr val="phClr"/>
           </a:solidFill>
           <a:prstDash val="solid"/>
         </a:ln>
-        <a:ln w="25400" cap="rnd" cmpd="sng" algn="ctr">
+        <a:ln w="19050" cap="flat" cmpd="sng" algn="ctr">
+          <a:solidFill>
+            <a:schemeClr val="phClr"/>
+          </a:solidFill>
+          <a:prstDash val="solid"/>
+        </a:ln>
+        <a:ln w="25400" cap="flat" cmpd="sng" algn="ctr">
           <a:solidFill>
             <a:schemeClr val="phClr"/>
           </a:solidFill>
@@ -7647,18 +7239,18 @@
         </a:effectStyle>
         <a:effectStyle>
           <a:effectLst>
-            <a:outerShdw blurRad="63500" dist="25400" dir="5400000" rotWithShape="0">
+            <a:outerShdw blurRad="50800" dist="38100" dir="5400000" sy="96000" rotWithShape="0">
               <a:srgbClr val="000000">
-                <a:alpha val="60000"/>
+                <a:alpha val="54000"/>
               </a:srgbClr>
             </a:outerShdw>
           </a:effectLst>
         </a:effectStyle>
         <a:effectStyle>
           <a:effectLst>
-            <a:outerShdw blurRad="76200" dist="38100" dir="5400000" rotWithShape="0">
+            <a:outerShdw blurRad="76200" dist="38100" dir="5400000" algn="ctr" rotWithShape="0">
               <a:srgbClr val="000000">
-                <a:alpha val="75000"/>
+                <a:alpha val="76000"/>
               </a:srgbClr>
             </a:outerShdw>
           </a:effectLst>
@@ -7666,12 +7258,10 @@
             <a:camera prst="orthographicFront">
               <a:rot lat="0" lon="0" rev="0"/>
             </a:camera>
-            <a:lightRig rig="threePt" dir="t">
-              <a:rot lat="0" lon="0" rev="1200000"/>
-            </a:lightRig>
+            <a:lightRig rig="balanced" dir="t"/>
           </a:scene3d>
-          <a:sp3d>
-            <a:bevelT w="63500" h="25400" prst="hardEdge"/>
+          <a:sp3d prstMaterial="matte">
+            <a:bevelT w="25400" h="25400" prst="relaxedInset"/>
           </a:sp3d>
         </a:effectStyle>
       </a:effectStyleLst>
@@ -7680,17 +7270,23 @@
           <a:schemeClr val="phClr"/>
         </a:solidFill>
         <a:solidFill>
-          <a:schemeClr val="phClr"/>
+          <a:schemeClr val="phClr">
+            <a:tint val="95000"/>
+            <a:satMod val="170000"/>
+          </a:schemeClr>
         </a:solidFill>
         <a:blipFill rotWithShape="1">
           <a:blip xmlns:r="http://schemas.openxmlformats.org/officeDocument/2006/relationships" r:embed="rId1">
             <a:duotone>
               <a:schemeClr val="phClr">
-                <a:shade val="80000"/>
-                <a:lumMod val="80000"/>
+                <a:shade val="18000"/>
+                <a:satMod val="160000"/>
+                <a:lumMod val="28000"/>
               </a:schemeClr>
               <a:schemeClr val="phClr">
-                <a:tint val="98000"/>
+                <a:tint val="95000"/>
+                <a:satMod val="160000"/>
+                <a:lumMod val="116000"/>
               </a:schemeClr>
             </a:duotone>
           </a:blip>
@@ -7703,7 +7299,7 @@
   <a:extraClrSchemeLst/>
   <a:extLst>
     <a:ext uri="{05A4C25C-085E-4340-85A3-A5531E510DB2}">
-      <thm15:themeFamily xmlns:thm15="http://schemas.microsoft.com/office/thememl/2012/main" name="Slate" id="{C3F70B94-7CE9-428E-ADC1-3269CC2C3385}" vid="{3F2DE9A5-64E6-437C-A389-CC4477E817E8}"/>
+      <thm15:themeFamily xmlns:thm15="http://schemas.microsoft.com/office/thememl/2012/main" name="Damask" id="{F9A299A0-33D0-4E0F-9F3F-7163E3744208}" vid="{746EEEEA-FB6A-406B-B510-531588D54811}"/>
     </a:ext>
   </a:extLst>
 </a:theme>
